--- a/BossMonster.pptx
+++ b/BossMonster.pptx
@@ -7,11 +7,11 @@
   <p:sldIdLst>
     <p:sldId id="256" r:id="rId2"/>
     <p:sldId id="260" r:id="rId3"/>
-    <p:sldId id="258" r:id="rId4"/>
-    <p:sldId id="259" r:id="rId5"/>
-    <p:sldId id="262" r:id="rId6"/>
-    <p:sldId id="261" r:id="rId7"/>
-    <p:sldId id="263" r:id="rId8"/>
+    <p:sldId id="264" r:id="rId4"/>
+    <p:sldId id="265" r:id="rId5"/>
+    <p:sldId id="266" r:id="rId6"/>
+    <p:sldId id="267" r:id="rId7"/>
+    <p:sldId id="268" r:id="rId8"/>
   </p:sldIdLst>
   <p:sldSz cx="12192000" cy="6858000"/>
   <p:notesSz cx="6858000" cy="9144000"/>
@@ -110,6 +110,11 @@
       </a:defRPr>
     </a:lvl9pPr>
   </p:defaultTextStyle>
+  <p:extLst>
+    <p:ext uri="{EFAFB233-063F-42B5-8137-9DF3F51BA10A}">
+      <p15:sldGuideLst xmlns:p15="http://schemas.microsoft.com/office/powerpoint/2012/main"/>
+    </p:ext>
+  </p:extLst>
 </p:presentation>
 </file>
 
@@ -163,7 +168,7 @@
           <a:noFill/>
           <a:extLst>
             <a:ext uri="{909E8E84-426E-40dd-AFC4-6F175D3DCCD1}">
-              <a14:hiddenFill xmlns:a14="http://schemas.microsoft.com/office/drawing/2010/main" xmlns="">
+              <a14:hiddenFill xmlns="" xmlns:a14="http://schemas.microsoft.com/office/drawing/2010/main">
                 <a:solidFill>
                   <a:srgbClr val="FFFFFF"/>
                 </a:solidFill>
@@ -223,7 +228,7 @@
             </a:ln>
             <a:extLst>
               <a:ext uri="{91240B29-F687-4f45-9708-019B960494DF}">
-                <a14:hiddenLine xmlns:a14="http://schemas.microsoft.com/office/drawing/2010/main" xmlns="" w="9525">
+                <a14:hiddenLine xmlns="" xmlns:a14="http://schemas.microsoft.com/office/drawing/2010/main" w="9525">
                   <a:solidFill>
                     <a:srgbClr val="000000"/>
                   </a:solidFill>
@@ -313,7 +318,7 @@
             </a:ln>
             <a:extLst>
               <a:ext uri="{91240B29-F687-4f45-9708-019B960494DF}">
-                <a14:hiddenLine xmlns:a14="http://schemas.microsoft.com/office/drawing/2010/main" xmlns="" w="9525">
+                <a14:hiddenLine xmlns="" xmlns:a14="http://schemas.microsoft.com/office/drawing/2010/main" w="9525">
                   <a:solidFill>
                     <a:srgbClr val="000000"/>
                   </a:solidFill>
@@ -403,7 +408,7 @@
             </a:ln>
             <a:extLst>
               <a:ext uri="{91240B29-F687-4f45-9708-019B960494DF}">
-                <a14:hiddenLine xmlns:a14="http://schemas.microsoft.com/office/drawing/2010/main" xmlns="" w="9525">
+                <a14:hiddenLine xmlns="" xmlns:a14="http://schemas.microsoft.com/office/drawing/2010/main" w="9525">
                   <a:solidFill>
                     <a:srgbClr val="000000"/>
                   </a:solidFill>
@@ -437,7 +442,7 @@
             </a:ln>
             <a:extLst>
               <a:ext uri="{91240B29-F687-4f45-9708-019B960494DF}">
-                <a14:hiddenLine xmlns:a14="http://schemas.microsoft.com/office/drawing/2010/main" xmlns="" w="9525">
+                <a14:hiddenLine xmlns="" xmlns:a14="http://schemas.microsoft.com/office/drawing/2010/main" w="9525">
                   <a:solidFill>
                     <a:srgbClr val="000000"/>
                   </a:solidFill>
@@ -527,7 +532,7 @@
             </a:ln>
             <a:extLst>
               <a:ext uri="{91240B29-F687-4f45-9708-019B960494DF}">
-                <a14:hiddenLine xmlns:a14="http://schemas.microsoft.com/office/drawing/2010/main" xmlns="" w="9525">
+                <a14:hiddenLine xmlns="" xmlns:a14="http://schemas.microsoft.com/office/drawing/2010/main" w="9525">
                   <a:solidFill>
                     <a:srgbClr val="000000"/>
                   </a:solidFill>
@@ -589,7 +594,7 @@
             </a:ln>
             <a:extLst>
               <a:ext uri="{91240B29-F687-4f45-9708-019B960494DF}">
-                <a14:hiddenLine xmlns:a14="http://schemas.microsoft.com/office/drawing/2010/main" xmlns="" w="9525">
+                <a14:hiddenLine xmlns="" xmlns:a14="http://schemas.microsoft.com/office/drawing/2010/main" w="9525">
                   <a:solidFill>
                     <a:srgbClr val="000000"/>
                   </a:solidFill>
@@ -651,7 +656,7 @@
             </a:ln>
             <a:extLst>
               <a:ext uri="{91240B29-F687-4f45-9708-019B960494DF}">
-                <a14:hiddenLine xmlns:a14="http://schemas.microsoft.com/office/drawing/2010/main" xmlns="" w="9525">
+                <a14:hiddenLine xmlns="" xmlns:a14="http://schemas.microsoft.com/office/drawing/2010/main" w="9525">
                   <a:solidFill>
                     <a:srgbClr val="000000"/>
                   </a:solidFill>
@@ -741,7 +746,7 @@
             </a:ln>
             <a:extLst>
               <a:ext uri="{91240B29-F687-4f45-9708-019B960494DF}">
-                <a14:hiddenLine xmlns:a14="http://schemas.microsoft.com/office/drawing/2010/main" xmlns="" w="9525">
+                <a14:hiddenLine xmlns="" xmlns:a14="http://schemas.microsoft.com/office/drawing/2010/main" w="9525">
                   <a:solidFill>
                     <a:srgbClr val="000000"/>
                   </a:solidFill>
@@ -803,7 +808,7 @@
             </a:ln>
             <a:extLst>
               <a:ext uri="{91240B29-F687-4f45-9708-019B960494DF}">
-                <a14:hiddenLine xmlns:a14="http://schemas.microsoft.com/office/drawing/2010/main" xmlns="" w="9525">
+                <a14:hiddenLine xmlns="" xmlns:a14="http://schemas.microsoft.com/office/drawing/2010/main" w="9525">
                   <a:solidFill>
                     <a:srgbClr val="000000"/>
                   </a:solidFill>
@@ -865,7 +870,7 @@
             </a:ln>
             <a:extLst>
               <a:ext uri="{91240B29-F687-4f45-9708-019B960494DF}">
-                <a14:hiddenLine xmlns:a14="http://schemas.microsoft.com/office/drawing/2010/main" xmlns="" w="9525">
+                <a14:hiddenLine xmlns="" xmlns:a14="http://schemas.microsoft.com/office/drawing/2010/main" w="9525">
                   <a:solidFill>
                     <a:srgbClr val="000000"/>
                   </a:solidFill>
@@ -955,7 +960,7 @@
             </a:ln>
             <a:extLst>
               <a:ext uri="{91240B29-F687-4f45-9708-019B960494DF}">
-                <a14:hiddenLine xmlns:a14="http://schemas.microsoft.com/office/drawing/2010/main" xmlns="" w="9525">
+                <a14:hiddenLine xmlns="" xmlns:a14="http://schemas.microsoft.com/office/drawing/2010/main" w="9525">
                   <a:solidFill>
                     <a:srgbClr val="000000"/>
                   </a:solidFill>
@@ -1045,7 +1050,7 @@
             </a:ln>
             <a:extLst>
               <a:ext uri="{91240B29-F687-4f45-9708-019B960494DF}">
-                <a14:hiddenLine xmlns:a14="http://schemas.microsoft.com/office/drawing/2010/main" xmlns="" w="9525">
+                <a14:hiddenLine xmlns="" xmlns:a14="http://schemas.microsoft.com/office/drawing/2010/main" w="9525">
                   <a:solidFill>
                     <a:srgbClr val="000000"/>
                   </a:solidFill>
@@ -1107,7 +1112,7 @@
             </a:ln>
             <a:extLst>
               <a:ext uri="{91240B29-F687-4f45-9708-019B960494DF}">
-                <a14:hiddenLine xmlns:a14="http://schemas.microsoft.com/office/drawing/2010/main" xmlns="" w="9525">
+                <a14:hiddenLine xmlns="" xmlns:a14="http://schemas.microsoft.com/office/drawing/2010/main" w="9525">
                   <a:solidFill>
                     <a:srgbClr val="000000"/>
                   </a:solidFill>
@@ -1217,7 +1222,7 @@
             </a:ln>
             <a:extLst>
               <a:ext uri="{91240B29-F687-4f45-9708-019B960494DF}">
-                <a14:hiddenLine xmlns:a14="http://schemas.microsoft.com/office/drawing/2010/main" xmlns="" w="9525">
+                <a14:hiddenLine xmlns="" xmlns:a14="http://schemas.microsoft.com/office/drawing/2010/main" w="9525">
                   <a:solidFill>
                     <a:srgbClr val="000000"/>
                   </a:solidFill>
@@ -1279,7 +1284,7 @@
             </a:ln>
             <a:extLst>
               <a:ext uri="{91240B29-F687-4f45-9708-019B960494DF}">
-                <a14:hiddenLine xmlns:a14="http://schemas.microsoft.com/office/drawing/2010/main" xmlns="" w="9525">
+                <a14:hiddenLine xmlns="" xmlns:a14="http://schemas.microsoft.com/office/drawing/2010/main" w="9525">
                   <a:solidFill>
                     <a:srgbClr val="000000"/>
                   </a:solidFill>
@@ -1369,7 +1374,7 @@
             </a:ln>
             <a:extLst>
               <a:ext uri="{91240B29-F687-4f45-9708-019B960494DF}">
-                <a14:hiddenLine xmlns:a14="http://schemas.microsoft.com/office/drawing/2010/main" xmlns="" w="9525">
+                <a14:hiddenLine xmlns="" xmlns:a14="http://schemas.microsoft.com/office/drawing/2010/main" w="9525">
                   <a:solidFill>
                     <a:srgbClr val="000000"/>
                   </a:solidFill>
@@ -1459,7 +1464,7 @@
             </a:ln>
             <a:extLst>
               <a:ext uri="{91240B29-F687-4f45-9708-019B960494DF}">
-                <a14:hiddenLine xmlns:a14="http://schemas.microsoft.com/office/drawing/2010/main" xmlns="" w="9525">
+                <a14:hiddenLine xmlns="" xmlns:a14="http://schemas.microsoft.com/office/drawing/2010/main" w="9525">
                   <a:solidFill>
                     <a:srgbClr val="000000"/>
                   </a:solidFill>
@@ -1521,7 +1526,7 @@
             </a:ln>
             <a:extLst>
               <a:ext uri="{91240B29-F687-4f45-9708-019B960494DF}">
-                <a14:hiddenLine xmlns:a14="http://schemas.microsoft.com/office/drawing/2010/main" xmlns="" w="9525">
+                <a14:hiddenLine xmlns="" xmlns:a14="http://schemas.microsoft.com/office/drawing/2010/main" w="9525">
                   <a:solidFill>
                     <a:srgbClr val="000000"/>
                   </a:solidFill>
@@ -1611,7 +1616,7 @@
             </a:ln>
             <a:extLst>
               <a:ext uri="{91240B29-F687-4f45-9708-019B960494DF}">
-                <a14:hiddenLine xmlns:a14="http://schemas.microsoft.com/office/drawing/2010/main" xmlns="" w="9525">
+                <a14:hiddenLine xmlns="" xmlns:a14="http://schemas.microsoft.com/office/drawing/2010/main" w="9525">
                   <a:solidFill>
                     <a:srgbClr val="000000"/>
                   </a:solidFill>
@@ -1701,7 +1706,7 @@
             </a:ln>
             <a:extLst>
               <a:ext uri="{91240B29-F687-4f45-9708-019B960494DF}">
-                <a14:hiddenLine xmlns:a14="http://schemas.microsoft.com/office/drawing/2010/main" xmlns="" w="9525">
+                <a14:hiddenLine xmlns="" xmlns:a14="http://schemas.microsoft.com/office/drawing/2010/main" w="9525">
                   <a:solidFill>
                     <a:srgbClr val="000000"/>
                   </a:solidFill>
@@ -1757,7 +1762,7 @@
             </a:ln>
             <a:extLst>
               <a:ext uri="{91240B29-F687-4f45-9708-019B960494DF}">
-                <a14:hiddenLine xmlns:a14="http://schemas.microsoft.com/office/drawing/2010/main" xmlns="" w="9525">
+                <a14:hiddenLine xmlns="" xmlns:a14="http://schemas.microsoft.com/office/drawing/2010/main" w="9525">
                   <a:solidFill>
                     <a:srgbClr val="000000"/>
                   </a:solidFill>
@@ -1847,7 +1852,7 @@
             </a:ln>
             <a:extLst>
               <a:ext uri="{91240B29-F687-4f45-9708-019B960494DF}">
-                <a14:hiddenLine xmlns:a14="http://schemas.microsoft.com/office/drawing/2010/main" xmlns="" w="9525">
+                <a14:hiddenLine xmlns="" xmlns:a14="http://schemas.microsoft.com/office/drawing/2010/main" w="9525">
                   <a:solidFill>
                     <a:srgbClr val="000000"/>
                   </a:solidFill>
@@ -1903,7 +1908,7 @@
             </a:ln>
             <a:extLst>
               <a:ext uri="{91240B29-F687-4f45-9708-019B960494DF}">
-                <a14:hiddenLine xmlns:a14="http://schemas.microsoft.com/office/drawing/2010/main" xmlns="" w="9525">
+                <a14:hiddenLine xmlns="" xmlns:a14="http://schemas.microsoft.com/office/drawing/2010/main" w="9525">
                   <a:solidFill>
                     <a:srgbClr val="000000"/>
                   </a:solidFill>
@@ -1993,7 +1998,7 @@
             </a:ln>
             <a:extLst>
               <a:ext uri="{91240B29-F687-4f45-9708-019B960494DF}">
-                <a14:hiddenLine xmlns:a14="http://schemas.microsoft.com/office/drawing/2010/main" xmlns="" w="9525">
+                <a14:hiddenLine xmlns="" xmlns:a14="http://schemas.microsoft.com/office/drawing/2010/main" w="9525">
                   <a:solidFill>
                     <a:srgbClr val="000000"/>
                   </a:solidFill>
@@ -2061,7 +2066,7 @@
             </a:ln>
             <a:extLst>
               <a:ext uri="{91240B29-F687-4f45-9708-019B960494DF}">
-                <a14:hiddenLine xmlns:a14="http://schemas.microsoft.com/office/drawing/2010/main" xmlns="" w="9525">
+                <a14:hiddenLine xmlns="" xmlns:a14="http://schemas.microsoft.com/office/drawing/2010/main" w="9525">
                   <a:solidFill>
                     <a:srgbClr val="000000"/>
                   </a:solidFill>
@@ -2151,7 +2156,7 @@
             </a:ln>
             <a:extLst>
               <a:ext uri="{91240B29-F687-4f45-9708-019B960494DF}">
-                <a14:hiddenLine xmlns:a14="http://schemas.microsoft.com/office/drawing/2010/main" xmlns="" w="9525">
+                <a14:hiddenLine xmlns="" xmlns:a14="http://schemas.microsoft.com/office/drawing/2010/main" w="9525">
                   <a:solidFill>
                     <a:srgbClr val="000000"/>
                   </a:solidFill>
@@ -2219,7 +2224,7 @@
             </a:ln>
             <a:extLst>
               <a:ext uri="{91240B29-F687-4f45-9708-019B960494DF}">
-                <a14:hiddenLine xmlns:a14="http://schemas.microsoft.com/office/drawing/2010/main" xmlns="" w="9525">
+                <a14:hiddenLine xmlns="" xmlns:a14="http://schemas.microsoft.com/office/drawing/2010/main" w="9525">
                   <a:solidFill>
                     <a:srgbClr val="000000"/>
                   </a:solidFill>
@@ -2309,7 +2314,7 @@
             </a:ln>
             <a:extLst>
               <a:ext uri="{91240B29-F687-4f45-9708-019B960494DF}">
-                <a14:hiddenLine xmlns:a14="http://schemas.microsoft.com/office/drawing/2010/main" xmlns="" w="9525">
+                <a14:hiddenLine xmlns="" xmlns:a14="http://schemas.microsoft.com/office/drawing/2010/main" w="9525">
                   <a:solidFill>
                     <a:srgbClr val="000000"/>
                   </a:solidFill>
@@ -2343,7 +2348,7 @@
             </a:ln>
             <a:extLst>
               <a:ext uri="{91240B29-F687-4f45-9708-019B960494DF}">
-                <a14:hiddenLine xmlns:a14="http://schemas.microsoft.com/office/drawing/2010/main" xmlns="" w="9525">
+                <a14:hiddenLine xmlns="" xmlns:a14="http://schemas.microsoft.com/office/drawing/2010/main" w="9525">
                   <a:solidFill>
                     <a:srgbClr val="000000"/>
                   </a:solidFill>
@@ -2433,7 +2438,7 @@
             </a:ln>
             <a:extLst>
               <a:ext uri="{91240B29-F687-4f45-9708-019B960494DF}">
-                <a14:hiddenLine xmlns:a14="http://schemas.microsoft.com/office/drawing/2010/main" xmlns="" w="9525">
+                <a14:hiddenLine xmlns="" xmlns:a14="http://schemas.microsoft.com/office/drawing/2010/main" w="9525">
                   <a:solidFill>
                     <a:srgbClr val="000000"/>
                   </a:solidFill>
@@ -2495,7 +2500,7 @@
             </a:ln>
             <a:extLst>
               <a:ext uri="{91240B29-F687-4f45-9708-019B960494DF}">
-                <a14:hiddenLine xmlns:a14="http://schemas.microsoft.com/office/drawing/2010/main" xmlns="" w="9525">
+                <a14:hiddenLine xmlns="" xmlns:a14="http://schemas.microsoft.com/office/drawing/2010/main" w="9525">
                   <a:solidFill>
                     <a:srgbClr val="000000"/>
                   </a:solidFill>
@@ -2557,7 +2562,7 @@
             </a:ln>
             <a:extLst>
               <a:ext uri="{91240B29-F687-4f45-9708-019B960494DF}">
-                <a14:hiddenLine xmlns:a14="http://schemas.microsoft.com/office/drawing/2010/main" xmlns="" w="9525">
+                <a14:hiddenLine xmlns="" xmlns:a14="http://schemas.microsoft.com/office/drawing/2010/main" w="9525">
                   <a:solidFill>
                     <a:srgbClr val="000000"/>
                   </a:solidFill>
@@ -2647,7 +2652,7 @@
             </a:ln>
             <a:extLst>
               <a:ext uri="{91240B29-F687-4f45-9708-019B960494DF}">
-                <a14:hiddenLine xmlns:a14="http://schemas.microsoft.com/office/drawing/2010/main" xmlns="" w="9525">
+                <a14:hiddenLine xmlns="" xmlns:a14="http://schemas.microsoft.com/office/drawing/2010/main" w="9525">
                   <a:solidFill>
                     <a:srgbClr val="000000"/>
                   </a:solidFill>
@@ -2715,7 +2720,7 @@
             </a:ln>
             <a:extLst>
               <a:ext uri="{91240B29-F687-4f45-9708-019B960494DF}">
-                <a14:hiddenLine xmlns:a14="http://schemas.microsoft.com/office/drawing/2010/main" xmlns="" w="9525">
+                <a14:hiddenLine xmlns="" xmlns:a14="http://schemas.microsoft.com/office/drawing/2010/main" w="9525">
                   <a:solidFill>
                     <a:srgbClr val="000000"/>
                   </a:solidFill>
@@ -2777,7 +2782,7 @@
             </a:ln>
             <a:extLst>
               <a:ext uri="{91240B29-F687-4f45-9708-019B960494DF}">
-                <a14:hiddenLine xmlns:a14="http://schemas.microsoft.com/office/drawing/2010/main" xmlns="" w="9525">
+                <a14:hiddenLine xmlns="" xmlns:a14="http://schemas.microsoft.com/office/drawing/2010/main" w="9525">
                   <a:solidFill>
                     <a:srgbClr val="000000"/>
                   </a:solidFill>
@@ -2867,7 +2872,7 @@
             </a:ln>
             <a:extLst>
               <a:ext uri="{91240B29-F687-4f45-9708-019B960494DF}">
-                <a14:hiddenLine xmlns:a14="http://schemas.microsoft.com/office/drawing/2010/main" xmlns="" w="9525">
+                <a14:hiddenLine xmlns="" xmlns:a14="http://schemas.microsoft.com/office/drawing/2010/main" w="9525">
                   <a:solidFill>
                     <a:srgbClr val="000000"/>
                   </a:solidFill>
@@ -2929,7 +2934,7 @@
             </a:ln>
             <a:extLst>
               <a:ext uri="{91240B29-F687-4f45-9708-019B960494DF}">
-                <a14:hiddenLine xmlns:a14="http://schemas.microsoft.com/office/drawing/2010/main" xmlns="" w="9525">
+                <a14:hiddenLine xmlns="" xmlns:a14="http://schemas.microsoft.com/office/drawing/2010/main" w="9525">
                   <a:solidFill>
                     <a:srgbClr val="000000"/>
                   </a:solidFill>
@@ -3019,7 +3024,7 @@
             </a:ln>
             <a:extLst>
               <a:ext uri="{91240B29-F687-4f45-9708-019B960494DF}">
-                <a14:hiddenLine xmlns:a14="http://schemas.microsoft.com/office/drawing/2010/main" xmlns="" w="9525">
+                <a14:hiddenLine xmlns="" xmlns:a14="http://schemas.microsoft.com/office/drawing/2010/main" w="9525">
                   <a:solidFill>
                     <a:srgbClr val="000000"/>
                   </a:solidFill>
@@ -3081,7 +3086,7 @@
             </a:ln>
             <a:extLst>
               <a:ext uri="{91240B29-F687-4f45-9708-019B960494DF}">
-                <a14:hiddenLine xmlns:a14="http://schemas.microsoft.com/office/drawing/2010/main" xmlns="" w="9525">
+                <a14:hiddenLine xmlns="" xmlns:a14="http://schemas.microsoft.com/office/drawing/2010/main" w="9525">
                   <a:solidFill>
                     <a:srgbClr val="000000"/>
                   </a:solidFill>
@@ -3171,7 +3176,7 @@
             </a:ln>
             <a:extLst>
               <a:ext uri="{91240B29-F687-4f45-9708-019B960494DF}">
-                <a14:hiddenLine xmlns:a14="http://schemas.microsoft.com/office/drawing/2010/main" xmlns="" w="9525">
+                <a14:hiddenLine xmlns="" xmlns:a14="http://schemas.microsoft.com/office/drawing/2010/main" w="9525">
                   <a:solidFill>
                     <a:srgbClr val="000000"/>
                   </a:solidFill>
@@ -3205,7 +3210,7 @@
             </a:ln>
             <a:extLst>
               <a:ext uri="{91240B29-F687-4f45-9708-019B960494DF}">
-                <a14:hiddenLine xmlns:a14="http://schemas.microsoft.com/office/drawing/2010/main" xmlns="" w="9525">
+                <a14:hiddenLine xmlns="" xmlns:a14="http://schemas.microsoft.com/office/drawing/2010/main" w="9525">
                   <a:solidFill>
                     <a:srgbClr val="000000"/>
                   </a:solidFill>
@@ -3270,7 +3275,7 @@
             </a:ln>
             <a:extLst>
               <a:ext uri="{91240B29-F687-4f45-9708-019B960494DF}">
-                <a14:hiddenLine xmlns:a14="http://schemas.microsoft.com/office/drawing/2010/main" xmlns="" w="9525">
+                <a14:hiddenLine xmlns="" xmlns:a14="http://schemas.microsoft.com/office/drawing/2010/main" w="9525">
                   <a:solidFill>
                     <a:srgbClr val="000000"/>
                   </a:solidFill>
@@ -3360,7 +3365,7 @@
             </a:ln>
             <a:extLst>
               <a:ext uri="{91240B29-F687-4f45-9708-019B960494DF}">
-                <a14:hiddenLine xmlns:a14="http://schemas.microsoft.com/office/drawing/2010/main" xmlns="" w="9525">
+                <a14:hiddenLine xmlns="" xmlns:a14="http://schemas.microsoft.com/office/drawing/2010/main" w="9525">
                   <a:solidFill>
                     <a:srgbClr val="000000"/>
                   </a:solidFill>
@@ -3422,7 +3427,7 @@
             </a:ln>
             <a:extLst>
               <a:ext uri="{91240B29-F687-4f45-9708-019B960494DF}">
-                <a14:hiddenLine xmlns:a14="http://schemas.microsoft.com/office/drawing/2010/main" xmlns="" w="9525">
+                <a14:hiddenLine xmlns="" xmlns:a14="http://schemas.microsoft.com/office/drawing/2010/main" w="9525">
                   <a:solidFill>
                     <a:srgbClr val="000000"/>
                   </a:solidFill>
@@ -3512,7 +3517,7 @@
             </a:ln>
             <a:extLst>
               <a:ext uri="{91240B29-F687-4f45-9708-019B960494DF}">
-                <a14:hiddenLine xmlns:a14="http://schemas.microsoft.com/office/drawing/2010/main" xmlns="" w="9525">
+                <a14:hiddenLine xmlns="" xmlns:a14="http://schemas.microsoft.com/office/drawing/2010/main" w="9525">
                   <a:solidFill>
                     <a:srgbClr val="000000"/>
                   </a:solidFill>
@@ -3602,7 +3607,7 @@
             </a:ln>
             <a:extLst>
               <a:ext uri="{91240B29-F687-4f45-9708-019B960494DF}">
-                <a14:hiddenLine xmlns:a14="http://schemas.microsoft.com/office/drawing/2010/main" xmlns="" w="9525">
+                <a14:hiddenLine xmlns="" xmlns:a14="http://schemas.microsoft.com/office/drawing/2010/main" w="9525">
                   <a:solidFill>
                     <a:srgbClr val="000000"/>
                   </a:solidFill>
@@ -3667,7 +3672,7 @@
             </a:ln>
             <a:extLst>
               <a:ext uri="{91240B29-F687-4f45-9708-019B960494DF}">
-                <a14:hiddenLine xmlns:a14="http://schemas.microsoft.com/office/drawing/2010/main" xmlns="" w="9525">
+                <a14:hiddenLine xmlns="" xmlns:a14="http://schemas.microsoft.com/office/drawing/2010/main" w="9525">
                   <a:solidFill>
                     <a:srgbClr val="000000"/>
                   </a:solidFill>
@@ -3729,7 +3734,7 @@
             </a:ln>
             <a:extLst>
               <a:ext uri="{91240B29-F687-4f45-9708-019B960494DF}">
-                <a14:hiddenLine xmlns:a14="http://schemas.microsoft.com/office/drawing/2010/main" xmlns="" w="9525">
+                <a14:hiddenLine xmlns="" xmlns:a14="http://schemas.microsoft.com/office/drawing/2010/main" w="9525">
                   <a:solidFill>
                     <a:srgbClr val="000000"/>
                   </a:solidFill>
@@ -3819,7 +3824,7 @@
             </a:ln>
             <a:extLst>
               <a:ext uri="{91240B29-F687-4f45-9708-019B960494DF}">
-                <a14:hiddenLine xmlns:a14="http://schemas.microsoft.com/office/drawing/2010/main" xmlns="" w="9525">
+                <a14:hiddenLine xmlns="" xmlns:a14="http://schemas.microsoft.com/office/drawing/2010/main" w="9525">
                   <a:solidFill>
                     <a:srgbClr val="000000"/>
                   </a:solidFill>
@@ -3909,7 +3914,7 @@
             </a:ln>
             <a:extLst>
               <a:ext uri="{91240B29-F687-4f45-9708-019B960494DF}">
-                <a14:hiddenLine xmlns:a14="http://schemas.microsoft.com/office/drawing/2010/main" xmlns="" w="9525">
+                <a14:hiddenLine xmlns="" xmlns:a14="http://schemas.microsoft.com/office/drawing/2010/main" w="9525">
                   <a:solidFill>
                     <a:srgbClr val="000000"/>
                   </a:solidFill>
@@ -3971,7 +3976,7 @@
             </a:ln>
             <a:extLst>
               <a:ext uri="{91240B29-F687-4f45-9708-019B960494DF}">
-                <a14:hiddenLine xmlns:a14="http://schemas.microsoft.com/office/drawing/2010/main" xmlns="" w="9525">
+                <a14:hiddenLine xmlns="" xmlns:a14="http://schemas.microsoft.com/office/drawing/2010/main" w="9525">
                   <a:solidFill>
                     <a:srgbClr val="000000"/>
                   </a:solidFill>
@@ -4091,7 +4096,7 @@
             </a:ln>
             <a:extLst>
               <a:ext uri="{91240B29-F687-4f45-9708-019B960494DF}">
-                <a14:hiddenLine xmlns:a14="http://schemas.microsoft.com/office/drawing/2010/main" xmlns="" w="9525">
+                <a14:hiddenLine xmlns="" xmlns:a14="http://schemas.microsoft.com/office/drawing/2010/main" w="9525">
                   <a:solidFill>
                     <a:srgbClr val="000000"/>
                   </a:solidFill>
@@ -4159,7 +4164,7 @@
             </a:ln>
             <a:extLst>
               <a:ext uri="{91240B29-F687-4f45-9708-019B960494DF}">
-                <a14:hiddenLine xmlns:a14="http://schemas.microsoft.com/office/drawing/2010/main" xmlns="" w="9525">
+                <a14:hiddenLine xmlns="" xmlns:a14="http://schemas.microsoft.com/office/drawing/2010/main" w="9525">
                   <a:solidFill>
                     <a:srgbClr val="000000"/>
                   </a:solidFill>
@@ -4249,7 +4254,7 @@
             </a:ln>
             <a:extLst>
               <a:ext uri="{91240B29-F687-4f45-9708-019B960494DF}">
-                <a14:hiddenLine xmlns:a14="http://schemas.microsoft.com/office/drawing/2010/main" xmlns="" w="9525">
+                <a14:hiddenLine xmlns="" xmlns:a14="http://schemas.microsoft.com/office/drawing/2010/main" w="9525">
                   <a:solidFill>
                     <a:srgbClr val="000000"/>
                   </a:solidFill>
@@ -9056,7 +9061,7 @@
           <a:noFill/>
           <a:extLst>
             <a:ext uri="{909E8E84-426E-40dd-AFC4-6F175D3DCCD1}">
-              <a14:hiddenFill xmlns:a14="http://schemas.microsoft.com/office/drawing/2010/main" xmlns="">
+              <a14:hiddenFill xmlns="" xmlns:a14="http://schemas.microsoft.com/office/drawing/2010/main">
                 <a:solidFill>
                   <a:srgbClr val="FFFFFF"/>
                 </a:solidFill>
@@ -9130,7 +9135,7 @@
               </a:ln>
               <a:extLst>
                 <a:ext uri="{91240B29-F687-4f45-9708-019B960494DF}">
-                  <a14:hiddenLine xmlns:a14="http://schemas.microsoft.com/office/drawing/2010/main" xmlns="" w="9525">
+                  <a14:hiddenLine xmlns="" xmlns:a14="http://schemas.microsoft.com/office/drawing/2010/main" w="9525">
                     <a:solidFill>
                       <a:srgbClr val="000000"/>
                     </a:solidFill>
@@ -9220,7 +9225,7 @@
               </a:ln>
               <a:extLst>
                 <a:ext uri="{91240B29-F687-4f45-9708-019B960494DF}">
-                  <a14:hiddenLine xmlns:a14="http://schemas.microsoft.com/office/drawing/2010/main" xmlns="" w="9525">
+                  <a14:hiddenLine xmlns="" xmlns:a14="http://schemas.microsoft.com/office/drawing/2010/main" w="9525">
                     <a:solidFill>
                       <a:srgbClr val="000000"/>
                     </a:solidFill>
@@ -9310,7 +9315,7 @@
               </a:ln>
               <a:extLst>
                 <a:ext uri="{91240B29-F687-4f45-9708-019B960494DF}">
-                  <a14:hiddenLine xmlns:a14="http://schemas.microsoft.com/office/drawing/2010/main" xmlns="" w="9525">
+                  <a14:hiddenLine xmlns="" xmlns:a14="http://schemas.microsoft.com/office/drawing/2010/main" w="9525">
                     <a:solidFill>
                       <a:srgbClr val="000000"/>
                     </a:solidFill>
@@ -9372,7 +9377,7 @@
               </a:ln>
               <a:extLst>
                 <a:ext uri="{91240B29-F687-4f45-9708-019B960494DF}">
-                  <a14:hiddenLine xmlns:a14="http://schemas.microsoft.com/office/drawing/2010/main" xmlns="" w="9525">
+                  <a14:hiddenLine xmlns="" xmlns:a14="http://schemas.microsoft.com/office/drawing/2010/main" w="9525">
                     <a:solidFill>
                       <a:srgbClr val="000000"/>
                     </a:solidFill>
@@ -9462,7 +9467,7 @@
               </a:ln>
               <a:extLst>
                 <a:ext uri="{91240B29-F687-4f45-9708-019B960494DF}">
-                  <a14:hiddenLine xmlns:a14="http://schemas.microsoft.com/office/drawing/2010/main" xmlns="" w="9525">
+                  <a14:hiddenLine xmlns="" xmlns:a14="http://schemas.microsoft.com/office/drawing/2010/main" w="9525">
                     <a:solidFill>
                       <a:srgbClr val="000000"/>
                     </a:solidFill>
@@ -9524,7 +9529,7 @@
               </a:ln>
               <a:extLst>
                 <a:ext uri="{91240B29-F687-4f45-9708-019B960494DF}">
-                  <a14:hiddenLine xmlns:a14="http://schemas.microsoft.com/office/drawing/2010/main" xmlns="" w="9525">
+                  <a14:hiddenLine xmlns="" xmlns:a14="http://schemas.microsoft.com/office/drawing/2010/main" w="9525">
                     <a:solidFill>
                       <a:srgbClr val="000000"/>
                     </a:solidFill>
@@ -9586,7 +9591,7 @@
               </a:ln>
               <a:extLst>
                 <a:ext uri="{91240B29-F687-4f45-9708-019B960494DF}">
-                  <a14:hiddenLine xmlns:a14="http://schemas.microsoft.com/office/drawing/2010/main" xmlns="" w="9525">
+                  <a14:hiddenLine xmlns="" xmlns:a14="http://schemas.microsoft.com/office/drawing/2010/main" w="9525">
                     <a:solidFill>
                       <a:srgbClr val="000000"/>
                     </a:solidFill>
@@ -9676,7 +9681,7 @@
               </a:ln>
               <a:extLst>
                 <a:ext uri="{91240B29-F687-4f45-9708-019B960494DF}">
-                  <a14:hiddenLine xmlns:a14="http://schemas.microsoft.com/office/drawing/2010/main" xmlns="" w="9525">
+                  <a14:hiddenLine xmlns="" xmlns:a14="http://schemas.microsoft.com/office/drawing/2010/main" w="9525">
                     <a:solidFill>
                       <a:srgbClr val="000000"/>
                     </a:solidFill>
@@ -9766,7 +9771,7 @@
               </a:ln>
               <a:extLst>
                 <a:ext uri="{91240B29-F687-4f45-9708-019B960494DF}">
-                  <a14:hiddenLine xmlns:a14="http://schemas.microsoft.com/office/drawing/2010/main" xmlns="" w="9525">
+                  <a14:hiddenLine xmlns="" xmlns:a14="http://schemas.microsoft.com/office/drawing/2010/main" w="9525">
                     <a:solidFill>
                       <a:srgbClr val="000000"/>
                     </a:solidFill>
@@ -9828,7 +9833,7 @@
               </a:ln>
               <a:extLst>
                 <a:ext uri="{91240B29-F687-4f45-9708-019B960494DF}">
-                  <a14:hiddenLine xmlns:a14="http://schemas.microsoft.com/office/drawing/2010/main" xmlns="" w="9525">
+                  <a14:hiddenLine xmlns="" xmlns:a14="http://schemas.microsoft.com/office/drawing/2010/main" w="9525">
                     <a:solidFill>
                       <a:srgbClr val="000000"/>
                     </a:solidFill>
@@ -9938,7 +9943,7 @@
               </a:ln>
               <a:extLst>
                 <a:ext uri="{91240B29-F687-4f45-9708-019B960494DF}">
-                  <a14:hiddenLine xmlns:a14="http://schemas.microsoft.com/office/drawing/2010/main" xmlns="" w="9525">
+                  <a14:hiddenLine xmlns="" xmlns:a14="http://schemas.microsoft.com/office/drawing/2010/main" w="9525">
                     <a:solidFill>
                       <a:srgbClr val="000000"/>
                     </a:solidFill>
@@ -10022,7 +10027,7 @@
               </a:ln>
               <a:extLst>
                 <a:ext uri="{91240B29-F687-4f45-9708-019B960494DF}">
-                  <a14:hiddenLine xmlns:a14="http://schemas.microsoft.com/office/drawing/2010/main" xmlns="" w="9525">
+                  <a14:hiddenLine xmlns="" xmlns:a14="http://schemas.microsoft.com/office/drawing/2010/main" w="9525">
                     <a:solidFill>
                       <a:srgbClr val="000000"/>
                     </a:solidFill>
@@ -10084,7 +10089,7 @@
               </a:ln>
               <a:extLst>
                 <a:ext uri="{91240B29-F687-4f45-9708-019B960494DF}">
-                  <a14:hiddenLine xmlns:a14="http://schemas.microsoft.com/office/drawing/2010/main" xmlns="" w="9525">
+                  <a14:hiddenLine xmlns="" xmlns:a14="http://schemas.microsoft.com/office/drawing/2010/main" w="9525">
                     <a:solidFill>
                       <a:srgbClr val="000000"/>
                     </a:solidFill>
@@ -10146,7 +10151,7 @@
               </a:ln>
               <a:extLst>
                 <a:ext uri="{91240B29-F687-4f45-9708-019B960494DF}">
-                  <a14:hiddenLine xmlns:a14="http://schemas.microsoft.com/office/drawing/2010/main" xmlns="" w="9525">
+                  <a14:hiddenLine xmlns="" xmlns:a14="http://schemas.microsoft.com/office/drawing/2010/main" w="9525">
                     <a:solidFill>
                       <a:srgbClr val="000000"/>
                     </a:solidFill>
@@ -10236,7 +10241,7 @@
               </a:ln>
               <a:extLst>
                 <a:ext uri="{91240B29-F687-4f45-9708-019B960494DF}">
-                  <a14:hiddenLine xmlns:a14="http://schemas.microsoft.com/office/drawing/2010/main" xmlns="" w="9525">
+                  <a14:hiddenLine xmlns="" xmlns:a14="http://schemas.microsoft.com/office/drawing/2010/main" w="9525">
                     <a:solidFill>
                       <a:srgbClr val="000000"/>
                     </a:solidFill>
@@ -10270,7 +10275,7 @@
               </a:ln>
               <a:extLst>
                 <a:ext uri="{91240B29-F687-4f45-9708-019B960494DF}">
-                  <a14:hiddenLine xmlns:a14="http://schemas.microsoft.com/office/drawing/2010/main" xmlns="" w="9525">
+                  <a14:hiddenLine xmlns="" xmlns:a14="http://schemas.microsoft.com/office/drawing/2010/main" w="9525">
                     <a:solidFill>
                       <a:srgbClr val="000000"/>
                     </a:solidFill>
@@ -10335,7 +10340,7 @@
               </a:ln>
               <a:extLst>
                 <a:ext uri="{91240B29-F687-4f45-9708-019B960494DF}">
-                  <a14:hiddenLine xmlns:a14="http://schemas.microsoft.com/office/drawing/2010/main" xmlns="" w="9525">
+                  <a14:hiddenLine xmlns="" xmlns:a14="http://schemas.microsoft.com/office/drawing/2010/main" w="9525">
                     <a:solidFill>
                       <a:srgbClr val="000000"/>
                     </a:solidFill>
@@ -10425,7 +10430,7 @@
               </a:ln>
               <a:extLst>
                 <a:ext uri="{91240B29-F687-4f45-9708-019B960494DF}">
-                  <a14:hiddenLine xmlns:a14="http://schemas.microsoft.com/office/drawing/2010/main" xmlns="" w="9525">
+                  <a14:hiddenLine xmlns="" xmlns:a14="http://schemas.microsoft.com/office/drawing/2010/main" w="9525">
                     <a:solidFill>
                       <a:srgbClr val="000000"/>
                     </a:solidFill>
@@ -10487,7 +10492,7 @@
               </a:ln>
               <a:extLst>
                 <a:ext uri="{91240B29-F687-4f45-9708-019B960494DF}">
-                  <a14:hiddenLine xmlns:a14="http://schemas.microsoft.com/office/drawing/2010/main" xmlns="" w="9525">
+                  <a14:hiddenLine xmlns="" xmlns:a14="http://schemas.microsoft.com/office/drawing/2010/main" w="9525">
                     <a:solidFill>
                       <a:srgbClr val="000000"/>
                     </a:solidFill>
@@ -10577,7 +10582,7 @@
               </a:ln>
               <a:extLst>
                 <a:ext uri="{91240B29-F687-4f45-9708-019B960494DF}">
-                  <a14:hiddenLine xmlns:a14="http://schemas.microsoft.com/office/drawing/2010/main" xmlns="" w="9525">
+                  <a14:hiddenLine xmlns="" xmlns:a14="http://schemas.microsoft.com/office/drawing/2010/main" w="9525">
                     <a:solidFill>
                       <a:srgbClr val="000000"/>
                     </a:solidFill>
@@ -10642,7 +10647,7 @@
               </a:ln>
               <a:extLst>
                 <a:ext uri="{91240B29-F687-4f45-9708-019B960494DF}">
-                  <a14:hiddenLine xmlns:a14="http://schemas.microsoft.com/office/drawing/2010/main" xmlns="" w="9525">
+                  <a14:hiddenLine xmlns="" xmlns:a14="http://schemas.microsoft.com/office/drawing/2010/main" w="9525">
                     <a:solidFill>
                       <a:srgbClr val="000000"/>
                     </a:solidFill>
@@ -10704,7 +10709,7 @@
               </a:ln>
               <a:extLst>
                 <a:ext uri="{91240B29-F687-4f45-9708-019B960494DF}">
-                  <a14:hiddenLine xmlns:a14="http://schemas.microsoft.com/office/drawing/2010/main" xmlns="" w="9525">
+                  <a14:hiddenLine xmlns="" xmlns:a14="http://schemas.microsoft.com/office/drawing/2010/main" w="9525">
                     <a:solidFill>
                       <a:srgbClr val="000000"/>
                     </a:solidFill>
@@ -10794,7 +10799,7 @@
               </a:ln>
               <a:extLst>
                 <a:ext uri="{91240B29-F687-4f45-9708-019B960494DF}">
-                  <a14:hiddenLine xmlns:a14="http://schemas.microsoft.com/office/drawing/2010/main" xmlns="" w="9525">
+                  <a14:hiddenLine xmlns="" xmlns:a14="http://schemas.microsoft.com/office/drawing/2010/main" w="9525">
                     <a:solidFill>
                       <a:srgbClr val="000000"/>
                     </a:solidFill>
@@ -10884,7 +10889,7 @@
               </a:ln>
               <a:extLst>
                 <a:ext uri="{91240B29-F687-4f45-9708-019B960494DF}">
-                  <a14:hiddenLine xmlns:a14="http://schemas.microsoft.com/office/drawing/2010/main" xmlns="" w="9525">
+                  <a14:hiddenLine xmlns="" xmlns:a14="http://schemas.microsoft.com/office/drawing/2010/main" w="9525">
                     <a:solidFill>
                       <a:srgbClr val="000000"/>
                     </a:solidFill>
@@ -10949,7 +10954,7 @@
               </a:ln>
               <a:extLst>
                 <a:ext uri="{91240B29-F687-4f45-9708-019B960494DF}">
-                  <a14:hiddenLine xmlns:a14="http://schemas.microsoft.com/office/drawing/2010/main" xmlns="" w="9525">
+                  <a14:hiddenLine xmlns="" xmlns:a14="http://schemas.microsoft.com/office/drawing/2010/main" w="9525">
                     <a:solidFill>
                       <a:srgbClr val="000000"/>
                     </a:solidFill>
@@ -11069,7 +11074,7 @@
               </a:ln>
               <a:extLst>
                 <a:ext uri="{91240B29-F687-4f45-9708-019B960494DF}">
-                  <a14:hiddenLine xmlns:a14="http://schemas.microsoft.com/office/drawing/2010/main" xmlns="" w="9525">
+                  <a14:hiddenLine xmlns="" xmlns:a14="http://schemas.microsoft.com/office/drawing/2010/main" w="9525">
                     <a:solidFill>
                       <a:srgbClr val="000000"/>
                     </a:solidFill>
@@ -11167,7 +11172,7 @@
               </a:ln>
               <a:extLst>
                 <a:ext uri="{91240B29-F687-4f45-9708-019B960494DF}">
-                  <a14:hiddenLine xmlns:a14="http://schemas.microsoft.com/office/drawing/2010/main" xmlns="" w="9525">
+                  <a14:hiddenLine xmlns="" xmlns:a14="http://schemas.microsoft.com/office/drawing/2010/main" w="9525">
                     <a:solidFill>
                       <a:srgbClr val="000000"/>
                     </a:solidFill>
@@ -11282,7 +11287,7 @@
               </a:ln>
               <a:extLst>
                 <a:ext uri="{91240B29-F687-4f45-9708-019B960494DF}">
-                  <a14:hiddenLine xmlns:a14="http://schemas.microsoft.com/office/drawing/2010/main" xmlns="" w="9525">
+                  <a14:hiddenLine xmlns="" xmlns:a14="http://schemas.microsoft.com/office/drawing/2010/main" w="9525">
                     <a:solidFill>
                       <a:srgbClr val="000000"/>
                     </a:solidFill>
@@ -11372,7 +11377,7 @@
               </a:ln>
               <a:extLst>
                 <a:ext uri="{91240B29-F687-4f45-9708-019B960494DF}">
-                  <a14:hiddenLine xmlns:a14="http://schemas.microsoft.com/office/drawing/2010/main" xmlns="" w="9525">
+                  <a14:hiddenLine xmlns="" xmlns:a14="http://schemas.microsoft.com/office/drawing/2010/main" w="9525">
                     <a:solidFill>
                       <a:srgbClr val="000000"/>
                     </a:solidFill>
@@ -11437,7 +11442,7 @@
               </a:ln>
               <a:extLst>
                 <a:ext uri="{91240B29-F687-4f45-9708-019B960494DF}">
-                  <a14:hiddenLine xmlns:a14="http://schemas.microsoft.com/office/drawing/2010/main" xmlns="" w="9525">
+                  <a14:hiddenLine xmlns="" xmlns:a14="http://schemas.microsoft.com/office/drawing/2010/main" w="9525">
                     <a:solidFill>
                       <a:srgbClr val="000000"/>
                     </a:solidFill>
@@ -11527,7 +11532,7 @@
               </a:ln>
               <a:extLst>
                 <a:ext uri="{91240B29-F687-4f45-9708-019B960494DF}">
-                  <a14:hiddenLine xmlns:a14="http://schemas.microsoft.com/office/drawing/2010/main" xmlns="" w="9525">
+                  <a14:hiddenLine xmlns="" xmlns:a14="http://schemas.microsoft.com/office/drawing/2010/main" w="9525">
                     <a:solidFill>
                       <a:srgbClr val="000000"/>
                     </a:solidFill>
@@ -11595,7 +11600,7 @@
               </a:ln>
               <a:extLst>
                 <a:ext uri="{91240B29-F687-4f45-9708-019B960494DF}">
-                  <a14:hiddenLine xmlns:a14="http://schemas.microsoft.com/office/drawing/2010/main" xmlns="" w="9525">
+                  <a14:hiddenLine xmlns="" xmlns:a14="http://schemas.microsoft.com/office/drawing/2010/main" w="9525">
                     <a:solidFill>
                       <a:srgbClr val="000000"/>
                     </a:solidFill>
@@ -11685,7 +11690,7 @@
               </a:ln>
               <a:extLst>
                 <a:ext uri="{91240B29-F687-4f45-9708-019B960494DF}">
-                  <a14:hiddenLine xmlns:a14="http://schemas.microsoft.com/office/drawing/2010/main" xmlns="" w="9525">
+                  <a14:hiddenLine xmlns="" xmlns:a14="http://schemas.microsoft.com/office/drawing/2010/main" w="9525">
                     <a:solidFill>
                       <a:srgbClr val="000000"/>
                     </a:solidFill>
@@ -11753,7 +11758,7 @@
               </a:ln>
               <a:extLst>
                 <a:ext uri="{91240B29-F687-4f45-9708-019B960494DF}">
-                  <a14:hiddenLine xmlns:a14="http://schemas.microsoft.com/office/drawing/2010/main" xmlns="" w="9525">
+                  <a14:hiddenLine xmlns="" xmlns:a14="http://schemas.microsoft.com/office/drawing/2010/main" w="9525">
                     <a:solidFill>
                       <a:srgbClr val="000000"/>
                     </a:solidFill>
@@ -11843,7 +11848,7 @@
               </a:ln>
               <a:extLst>
                 <a:ext uri="{91240B29-F687-4f45-9708-019B960494DF}">
-                  <a14:hiddenLine xmlns:a14="http://schemas.microsoft.com/office/drawing/2010/main" xmlns="" w="9525">
+                  <a14:hiddenLine xmlns="" xmlns:a14="http://schemas.microsoft.com/office/drawing/2010/main" w="9525">
                     <a:solidFill>
                       <a:srgbClr val="000000"/>
                     </a:solidFill>
@@ -11877,7 +11882,7 @@
               </a:ln>
               <a:extLst>
                 <a:ext uri="{91240B29-F687-4f45-9708-019B960494DF}">
-                  <a14:hiddenLine xmlns:a14="http://schemas.microsoft.com/office/drawing/2010/main" xmlns="" w="9525">
+                  <a14:hiddenLine xmlns="" xmlns:a14="http://schemas.microsoft.com/office/drawing/2010/main" w="9525">
                     <a:solidFill>
                       <a:srgbClr val="000000"/>
                     </a:solidFill>
@@ -12544,6 +12549,13 @@
   <p:clrMapOvr>
     <a:masterClrMapping/>
   </p:clrMapOvr>
+  <p:timing>
+    <p:tnLst>
+      <p:par>
+        <p:cTn id="1" dur="indefinite" restart="never" nodeType="tmRoot"/>
+      </p:par>
+    </p:tnLst>
+  </p:timing>
 </p:sld>
 </file>
 
@@ -12574,7 +12586,12 @@
             <p:ph type="title"/>
           </p:nvPr>
         </p:nvSpPr>
-        <p:spPr/>
+        <p:spPr>
+          <a:xfrm>
+            <a:off x="1141413" y="609600"/>
+            <a:ext cx="2297246" cy="1639886"/>
+          </a:xfrm>
+        </p:spPr>
         <p:txBody>
           <a:bodyPr/>
           <a:lstStyle/>
@@ -12586,18 +12603,6 @@
             <a:endParaRPr lang="en-US" dirty="0"/>
           </a:p>
         </p:txBody>
-      </p:sp>
-      <p:sp>
-        <p:nvSpPr>
-          <p:cNvPr id="3" name="Picture Placeholder 2"/>
-          <p:cNvSpPr>
-            <a:spLocks noGrp="1"/>
-          </p:cNvSpPr>
-          <p:nvPr>
-            <p:ph type="pic" idx="1"/>
-          </p:nvPr>
-        </p:nvSpPr>
-        <p:spPr/>
       </p:sp>
       <p:sp>
         <p:nvSpPr>
@@ -12609,15 +12614,592 @@
             <p:ph type="body" sz="half" idx="2"/>
           </p:nvPr>
         </p:nvSpPr>
-        <p:spPr/>
+        <p:spPr>
+          <a:xfrm>
+            <a:off x="5100034" y="609599"/>
+            <a:ext cx="6599404" cy="5842715"/>
+          </a:xfrm>
+        </p:spPr>
         <p:txBody>
-          <a:bodyPr/>
+          <a:bodyPr>
+            <a:normAutofit fontScale="85000" lnSpcReduction="20000"/>
+          </a:bodyPr>
           <a:lstStyle/>
           <a:p>
-            <a:endParaRPr lang="en-US"/>
+            <a:pPr>
+              <a:spcBef>
+                <a:spcPts val="0"/>
+              </a:spcBef>
+            </a:pPr>
+            <a:r>
+              <a:rPr lang="en-US" dirty="0"/>
+              <a:t>include('</a:t>
+            </a:r>
+            <a:r>
+              <a:rPr lang="en-US" dirty="0" err="1"/>
+              <a:t>Battle.php</a:t>
+            </a:r>
+            <a:r>
+              <a:rPr lang="en-US" dirty="0"/>
+              <a:t>');</a:t>
+            </a:r>
+          </a:p>
+          <a:p>
+            <a:pPr>
+              <a:spcBef>
+                <a:spcPts val="0"/>
+              </a:spcBef>
+            </a:pPr>
+            <a:r>
+              <a:rPr lang="en-US" dirty="0" smtClean="0"/>
+              <a:t>include</a:t>
+            </a:r>
+            <a:r>
+              <a:rPr lang="en-US" dirty="0"/>
+              <a:t>('</a:t>
+            </a:r>
+            <a:r>
+              <a:rPr lang="en-US" dirty="0" err="1"/>
+              <a:t>Player.php</a:t>
+            </a:r>
+            <a:r>
+              <a:rPr lang="en-US" dirty="0"/>
+              <a:t>');</a:t>
+            </a:r>
+          </a:p>
+          <a:p>
+            <a:pPr>
+              <a:spcBef>
+                <a:spcPts val="0"/>
+              </a:spcBef>
+            </a:pPr>
+            <a:r>
+              <a:rPr lang="en-US" dirty="0" smtClean="0"/>
+              <a:t>include</a:t>
+            </a:r>
+            <a:r>
+              <a:rPr lang="en-US" dirty="0"/>
+              <a:t>('</a:t>
+            </a:r>
+            <a:r>
+              <a:rPr lang="en-US" dirty="0" err="1"/>
+              <a:t>Boss.php</a:t>
+            </a:r>
+            <a:r>
+              <a:rPr lang="en-US" dirty="0"/>
+              <a:t>');</a:t>
+            </a:r>
+          </a:p>
+          <a:p>
+            <a:pPr>
+              <a:spcBef>
+                <a:spcPts val="0"/>
+              </a:spcBef>
+            </a:pPr>
+            <a:r>
+              <a:rPr lang="en-US" dirty="0" smtClean="0"/>
+              <a:t>if</a:t>
+            </a:r>
+            <a:r>
+              <a:rPr lang="en-US" dirty="0"/>
+              <a:t>(!</a:t>
+            </a:r>
+            <a:r>
+              <a:rPr lang="en-US" dirty="0" err="1"/>
+              <a:t>isset</a:t>
+            </a:r>
+            <a:r>
+              <a:rPr lang="en-US" dirty="0"/>
+              <a:t>($_COOKIE["PHPSESSID"])){</a:t>
+            </a:r>
+          </a:p>
+          <a:p>
+            <a:pPr>
+              <a:spcBef>
+                <a:spcPts val="0"/>
+              </a:spcBef>
+            </a:pPr>
+            <a:r>
+              <a:rPr lang="en-US" dirty="0" smtClean="0"/>
+              <a:t>	</a:t>
+            </a:r>
+            <a:r>
+              <a:rPr lang="en-US" dirty="0" err="1" smtClean="0"/>
+              <a:t>session_start</a:t>
+            </a:r>
+            <a:r>
+              <a:rPr lang="en-US" dirty="0"/>
+              <a:t>();</a:t>
+            </a:r>
+          </a:p>
+          <a:p>
+            <a:pPr>
+              <a:spcBef>
+                <a:spcPts val="0"/>
+              </a:spcBef>
+            </a:pPr>
+            <a:r>
+              <a:rPr lang="en-US" dirty="0" smtClean="0"/>
+              <a:t>	$_</a:t>
+            </a:r>
+            <a:r>
+              <a:rPr lang="en-US" dirty="0"/>
+              <a:t>SESSION['player'] = new Player(10,100,10,10);</a:t>
+            </a:r>
+          </a:p>
+          <a:p>
+            <a:pPr>
+              <a:spcBef>
+                <a:spcPts val="0"/>
+              </a:spcBef>
+            </a:pPr>
+            <a:r>
+              <a:rPr lang="en-US" dirty="0"/>
+              <a:t>	</a:t>
+            </a:r>
+            <a:r>
+              <a:rPr lang="en-US" dirty="0" smtClean="0"/>
+              <a:t>$_</a:t>
+            </a:r>
+            <a:r>
+              <a:rPr lang="en-US" dirty="0"/>
+              <a:t>SESSION['boss'] = new Boss(100,10,10</a:t>
+            </a:r>
+            <a:r>
+              <a:rPr lang="en-US" dirty="0" smtClean="0"/>
+              <a:t>);</a:t>
+            </a:r>
+          </a:p>
+          <a:p>
+            <a:pPr>
+              <a:spcBef>
+                <a:spcPts val="0"/>
+              </a:spcBef>
+            </a:pPr>
+            <a:r>
+              <a:rPr lang="en-US" dirty="0"/>
+              <a:t>	</a:t>
+            </a:r>
+            <a:r>
+              <a:rPr lang="en-US" dirty="0" smtClean="0"/>
+              <a:t>$_</a:t>
+            </a:r>
+            <a:r>
+              <a:rPr lang="en-US" dirty="0"/>
+              <a:t>SESSION['battle'] = </a:t>
+            </a:r>
+            <a:r>
+              <a:rPr lang="en-US" dirty="0" smtClean="0"/>
+              <a:t>new Battle</a:t>
+            </a:r>
+            <a:r>
+              <a:rPr lang="en-US" dirty="0"/>
+              <a:t>($_SESSION['player'],$_SESSION['boss']);</a:t>
+            </a:r>
+          </a:p>
+          <a:p>
+            <a:pPr>
+              <a:spcBef>
+                <a:spcPts val="0"/>
+              </a:spcBef>
+            </a:pPr>
+            <a:r>
+              <a:rPr lang="en-US" dirty="0" smtClean="0"/>
+              <a:t>}</a:t>
+            </a:r>
+            <a:r>
+              <a:rPr lang="en-US" dirty="0"/>
+              <a:t>else{</a:t>
+            </a:r>
+          </a:p>
+          <a:p>
+            <a:pPr>
+              <a:spcBef>
+                <a:spcPts val="0"/>
+              </a:spcBef>
+            </a:pPr>
+            <a:r>
+              <a:rPr lang="en-US" dirty="0"/>
+              <a:t>	</a:t>
+            </a:r>
+            <a:r>
+              <a:rPr lang="en-US" dirty="0" err="1" smtClean="0"/>
+              <a:t>session_start</a:t>
+            </a:r>
+            <a:r>
+              <a:rPr lang="en-US" dirty="0"/>
+              <a:t>();</a:t>
+            </a:r>
+          </a:p>
+          <a:p>
+            <a:pPr>
+              <a:spcBef>
+                <a:spcPts val="0"/>
+              </a:spcBef>
+            </a:pPr>
+            <a:r>
+              <a:rPr lang="en-US" dirty="0" smtClean="0"/>
+              <a:t>}</a:t>
+            </a:r>
+          </a:p>
+          <a:p>
+            <a:pPr>
+              <a:spcBef>
+                <a:spcPts val="0"/>
+              </a:spcBef>
+            </a:pPr>
+            <a:r>
+              <a:rPr lang="en-US" dirty="0"/>
+              <a:t>&lt;?</a:t>
+            </a:r>
+            <a:r>
+              <a:rPr lang="en-US" dirty="0" err="1"/>
+              <a:t>php</a:t>
+            </a:r>
+            <a:r>
+              <a:rPr lang="en-US" dirty="0"/>
+              <a:t> </a:t>
+            </a:r>
+          </a:p>
+          <a:p>
+            <a:pPr>
+              <a:spcBef>
+                <a:spcPts val="0"/>
+              </a:spcBef>
+            </a:pPr>
+            <a:r>
+              <a:rPr lang="en-US" dirty="0" smtClean="0"/>
+              <a:t>if(</a:t>
+            </a:r>
+            <a:r>
+              <a:rPr lang="en-US" dirty="0" err="1" smtClean="0"/>
+              <a:t>isset</a:t>
+            </a:r>
+            <a:r>
+              <a:rPr lang="en-US" dirty="0"/>
+              <a:t>($_GET['attack'])){</a:t>
+            </a:r>
+          </a:p>
+          <a:p>
+            <a:pPr>
+              <a:spcBef>
+                <a:spcPts val="0"/>
+              </a:spcBef>
+            </a:pPr>
+            <a:r>
+              <a:rPr lang="en-US" dirty="0" smtClean="0"/>
+              <a:t>	$_</a:t>
+            </a:r>
+            <a:r>
+              <a:rPr lang="en-US" dirty="0"/>
+              <a:t>SESSION['battle'] -&gt; </a:t>
+            </a:r>
+            <a:r>
+              <a:rPr lang="en-US" dirty="0" err="1"/>
+              <a:t>rollAttack</a:t>
+            </a:r>
+            <a:r>
+              <a:rPr lang="en-US" dirty="0" smtClean="0"/>
+              <a:t>();	 }</a:t>
+            </a:r>
+            <a:r>
+              <a:rPr lang="en-US" dirty="0"/>
+              <a:t>	</a:t>
+            </a:r>
+            <a:r>
+              <a:rPr lang="en-US" dirty="0" smtClean="0"/>
+              <a:t>?&gt;</a:t>
+            </a:r>
+            <a:endParaRPr lang="en-US" dirty="0"/>
+          </a:p>
+          <a:p>
+            <a:pPr>
+              <a:spcBef>
+                <a:spcPts val="0"/>
+              </a:spcBef>
+            </a:pPr>
+            <a:r>
+              <a:rPr lang="en-US" dirty="0" smtClean="0"/>
+              <a:t>&lt;</a:t>
+            </a:r>
+            <a:r>
+              <a:rPr lang="en-US" dirty="0"/>
+              <a:t>form action="</a:t>
+            </a:r>
+            <a:r>
+              <a:rPr lang="en-US" dirty="0" err="1"/>
+              <a:t>Stage.php</a:t>
+            </a:r>
+            <a:r>
+              <a:rPr lang="en-US" dirty="0"/>
+              <a:t>" method="get"&gt;</a:t>
+            </a:r>
+          </a:p>
+          <a:p>
+            <a:pPr>
+              <a:spcBef>
+                <a:spcPts val="0"/>
+              </a:spcBef>
+            </a:pPr>
+            <a:r>
+              <a:rPr lang="en-US" dirty="0" smtClean="0"/>
+              <a:t>	&lt;</a:t>
+            </a:r>
+            <a:r>
+              <a:rPr lang="en-US" dirty="0"/>
+              <a:t>button type="submit" name="defend"&gt;Defend&lt;/button&gt;</a:t>
+            </a:r>
+          </a:p>
+          <a:p>
+            <a:pPr>
+              <a:spcBef>
+                <a:spcPts val="0"/>
+              </a:spcBef>
+            </a:pPr>
+            <a:r>
+              <a:rPr lang="en-US" dirty="0" smtClean="0"/>
+              <a:t>&lt;/</a:t>
+            </a:r>
+            <a:r>
+              <a:rPr lang="en-US" dirty="0"/>
+              <a:t>form&gt;</a:t>
+            </a:r>
+          </a:p>
+          <a:p>
+            <a:pPr>
+              <a:spcBef>
+                <a:spcPts val="0"/>
+              </a:spcBef>
+            </a:pPr>
+            <a:r>
+              <a:rPr lang="en-US" dirty="0" smtClean="0"/>
+              <a:t>&lt;?</a:t>
+            </a:r>
+            <a:r>
+              <a:rPr lang="en-US" dirty="0" err="1"/>
+              <a:t>php</a:t>
+            </a:r>
+            <a:r>
+              <a:rPr lang="en-US" dirty="0"/>
+              <a:t> </a:t>
+            </a:r>
+          </a:p>
+          <a:p>
+            <a:pPr>
+              <a:spcBef>
+                <a:spcPts val="0"/>
+              </a:spcBef>
+            </a:pPr>
+            <a:r>
+              <a:rPr lang="en-US" dirty="0"/>
+              <a:t>	</a:t>
+            </a:r>
+            <a:r>
+              <a:rPr lang="en-US" dirty="0" smtClean="0"/>
+              <a:t>if(</a:t>
+            </a:r>
+            <a:r>
+              <a:rPr lang="en-US" dirty="0" err="1" smtClean="0"/>
+              <a:t>isset</a:t>
+            </a:r>
+            <a:r>
+              <a:rPr lang="en-US" dirty="0"/>
+              <a:t>($_GET['defend'])){</a:t>
+            </a:r>
+          </a:p>
+          <a:p>
+            <a:pPr>
+              <a:spcBef>
+                <a:spcPts val="0"/>
+              </a:spcBef>
+            </a:pPr>
+            <a:r>
+              <a:rPr lang="en-US" dirty="0"/>
+              <a:t>	</a:t>
+            </a:r>
+            <a:r>
+              <a:rPr lang="en-US" dirty="0" smtClean="0"/>
+              <a:t>$_</a:t>
+            </a:r>
+            <a:r>
+              <a:rPr lang="en-US" dirty="0"/>
+              <a:t>SESSION['battle'] -&gt; </a:t>
+            </a:r>
+            <a:r>
+              <a:rPr lang="en-US" dirty="0" err="1"/>
+              <a:t>rollDefense</a:t>
+            </a:r>
+            <a:r>
+              <a:rPr lang="en-US" dirty="0" smtClean="0"/>
+              <a:t>();	}	?&gt;</a:t>
+            </a:r>
+            <a:endParaRPr lang="en-US" dirty="0"/>
+          </a:p>
+          <a:p>
+            <a:pPr>
+              <a:spcBef>
+                <a:spcPts val="0"/>
+              </a:spcBef>
+            </a:pPr>
+            <a:r>
+              <a:rPr lang="en-US" dirty="0" smtClean="0"/>
+              <a:t>&lt;</a:t>
+            </a:r>
+            <a:r>
+              <a:rPr lang="en-US" dirty="0"/>
+              <a:t>form action="</a:t>
+            </a:r>
+            <a:r>
+              <a:rPr lang="en-US" dirty="0" err="1"/>
+              <a:t>Stage.php</a:t>
+            </a:r>
+            <a:r>
+              <a:rPr lang="en-US" dirty="0"/>
+              <a:t>" method="get"&gt;</a:t>
+            </a:r>
+          </a:p>
+          <a:p>
+            <a:pPr>
+              <a:spcBef>
+                <a:spcPts val="0"/>
+              </a:spcBef>
+            </a:pPr>
+            <a:r>
+              <a:rPr lang="en-US" dirty="0" smtClean="0"/>
+              <a:t>	&lt;</a:t>
+            </a:r>
+            <a:r>
+              <a:rPr lang="en-US" dirty="0"/>
+              <a:t>button type="submit" name="heal"&gt;Heal&lt;/button&gt;</a:t>
+            </a:r>
+          </a:p>
+          <a:p>
+            <a:pPr>
+              <a:spcBef>
+                <a:spcPts val="0"/>
+              </a:spcBef>
+            </a:pPr>
+            <a:r>
+              <a:rPr lang="en-US" dirty="0" smtClean="0"/>
+              <a:t>&lt;/</a:t>
+            </a:r>
+            <a:r>
+              <a:rPr lang="en-US" dirty="0"/>
+              <a:t>form&gt;</a:t>
+            </a:r>
+          </a:p>
+          <a:p>
+            <a:pPr>
+              <a:spcBef>
+                <a:spcPts val="0"/>
+              </a:spcBef>
+            </a:pPr>
+            <a:r>
+              <a:rPr lang="en-US" dirty="0" smtClean="0"/>
+              <a:t>&lt;?</a:t>
+            </a:r>
+            <a:r>
+              <a:rPr lang="en-US" dirty="0" err="1"/>
+              <a:t>php</a:t>
+            </a:r>
+            <a:r>
+              <a:rPr lang="en-US" dirty="0"/>
+              <a:t> </a:t>
+            </a:r>
+          </a:p>
+          <a:p>
+            <a:pPr>
+              <a:spcBef>
+                <a:spcPts val="0"/>
+              </a:spcBef>
+            </a:pPr>
+            <a:r>
+              <a:rPr lang="en-US" dirty="0" smtClean="0"/>
+              <a:t>if(</a:t>
+            </a:r>
+            <a:r>
+              <a:rPr lang="en-US" dirty="0" err="1" smtClean="0"/>
+              <a:t>isset</a:t>
+            </a:r>
+            <a:r>
+              <a:rPr lang="en-US" dirty="0"/>
+              <a:t>($_GET['heal'])){</a:t>
+            </a:r>
+          </a:p>
+          <a:p>
+            <a:pPr>
+              <a:spcBef>
+                <a:spcPts val="0"/>
+              </a:spcBef>
+            </a:pPr>
+            <a:r>
+              <a:rPr lang="en-US" dirty="0"/>
+              <a:t>	</a:t>
+            </a:r>
+            <a:r>
+              <a:rPr lang="en-US" dirty="0" smtClean="0"/>
+              <a:t>$_</a:t>
+            </a:r>
+            <a:r>
+              <a:rPr lang="en-US" dirty="0"/>
+              <a:t>SESSION['battle'] -&gt; heal</a:t>
+            </a:r>
+            <a:r>
+              <a:rPr lang="en-US" dirty="0" smtClean="0"/>
+              <a:t>();	}	?&gt;</a:t>
+            </a:r>
+            <a:endParaRPr lang="en-US" dirty="0"/>
           </a:p>
         </p:txBody>
       </p:sp>
+      <p:pic>
+        <p:nvPicPr>
+          <p:cNvPr id="8" name="Picture 7"/>
+          <p:cNvPicPr>
+            <a:picLocks noChangeAspect="1"/>
+          </p:cNvPicPr>
+          <p:nvPr/>
+        </p:nvPicPr>
+        <p:blipFill>
+          <a:blip r:embed="rId2"/>
+          <a:stretch>
+            <a:fillRect/>
+          </a:stretch>
+        </p:blipFill>
+        <p:spPr>
+          <a:xfrm>
+            <a:off x="201255" y="2391152"/>
+            <a:ext cx="4656226" cy="1955615"/>
+          </a:xfrm>
+          <a:prstGeom prst="rect">
+            <a:avLst/>
+          </a:prstGeom>
+        </p:spPr>
+      </p:pic>
+      <p:pic>
+        <p:nvPicPr>
+          <p:cNvPr id="9" name="Picture 8"/>
+          <p:cNvPicPr>
+            <a:picLocks noChangeAspect="1"/>
+          </p:cNvPicPr>
+          <p:nvPr/>
+        </p:nvPicPr>
+        <p:blipFill>
+          <a:blip r:embed="rId3"/>
+          <a:stretch>
+            <a:fillRect/>
+          </a:stretch>
+        </p:blipFill>
+        <p:spPr>
+          <a:xfrm>
+            <a:off x="201255" y="4496699"/>
+            <a:ext cx="4656226" cy="1955615"/>
+          </a:xfrm>
+          <a:prstGeom prst="rect">
+            <a:avLst/>
+          </a:prstGeom>
+        </p:spPr>
+      </p:pic>
     </p:spTree>
     <p:extLst>
       <p:ext uri="{BB962C8B-B14F-4D97-AF65-F5344CB8AC3E}">
@@ -12628,6 +13210,13 @@
   <p:clrMapOvr>
     <a:masterClrMapping/>
   </p:clrMapOvr>
+  <p:timing>
+    <p:tnLst>
+      <p:par>
+        <p:cTn id="1" dur="indefinite" restart="never" nodeType="tmRoot"/>
+      </p:par>
+    </p:tnLst>
+  </p:timing>
 </p:sld>
 </file>
 
@@ -12658,30 +13247,27 @@
             <p:ph type="title"/>
           </p:nvPr>
         </p:nvSpPr>
-        <p:spPr/>
+        <p:spPr>
+          <a:xfrm>
+            <a:off x="1141413" y="609600"/>
+            <a:ext cx="2297246" cy="1639886"/>
+          </a:xfrm>
+        </p:spPr>
         <p:txBody>
           <a:bodyPr/>
           <a:lstStyle/>
           <a:p>
             <a:r>
               <a:rPr lang="en-US" dirty="0" err="1" smtClean="0"/>
-              <a:t>Battle.php</a:t>
+              <a:t>Battle</a:t>
+            </a:r>
+            <a:r>
+              <a:rPr lang="en-US" dirty="0" err="1" smtClean="0"/>
+              <a:t>.php</a:t>
             </a:r>
             <a:endParaRPr lang="en-US" dirty="0"/>
           </a:p>
         </p:txBody>
-      </p:sp>
-      <p:sp>
-        <p:nvSpPr>
-          <p:cNvPr id="3" name="Picture Placeholder 2"/>
-          <p:cNvSpPr>
-            <a:spLocks noGrp="1"/>
-          </p:cNvSpPr>
-          <p:nvPr>
-            <p:ph type="pic" idx="1"/>
-          </p:nvPr>
-        </p:nvSpPr>
-        <p:spPr/>
       </p:sp>
       <p:sp>
         <p:nvSpPr>
@@ -12693,25 +13279,499 @@
             <p:ph type="body" sz="half" idx="2"/>
           </p:nvPr>
         </p:nvSpPr>
-        <p:spPr/>
+        <p:spPr>
+          <a:xfrm>
+            <a:off x="4378818" y="609599"/>
+            <a:ext cx="7320620" cy="5842715"/>
+          </a:xfrm>
+        </p:spPr>
         <p:txBody>
-          <a:bodyPr/>
+          <a:bodyPr>
+            <a:normAutofit lnSpcReduction="10000"/>
+          </a:bodyPr>
           <a:lstStyle/>
           <a:p>
-            <a:endParaRPr lang="en-US"/>
+            <a:pPr>
+              <a:spcBef>
+                <a:spcPts val="0"/>
+              </a:spcBef>
+            </a:pPr>
+            <a:r>
+              <a:rPr lang="en-US" dirty="0"/>
+              <a:t>function </a:t>
+            </a:r>
+            <a:r>
+              <a:rPr lang="en-US" dirty="0" err="1"/>
+              <a:t>rollAttack</a:t>
+            </a:r>
+            <a:r>
+              <a:rPr lang="en-US" dirty="0"/>
+              <a:t>(){</a:t>
+            </a:r>
+          </a:p>
+          <a:p>
+            <a:pPr>
+              <a:spcBef>
+                <a:spcPts val="0"/>
+              </a:spcBef>
+            </a:pPr>
+            <a:r>
+              <a:rPr lang="en-US" dirty="0"/>
+              <a:t>	</a:t>
+            </a:r>
+            <a:r>
+              <a:rPr lang="en-US" dirty="0" smtClean="0"/>
+              <a:t>$</a:t>
+            </a:r>
+            <a:r>
+              <a:rPr lang="en-US" dirty="0"/>
+              <a:t>this-&gt;</a:t>
+            </a:r>
+            <a:r>
+              <a:rPr lang="en-US" dirty="0" err="1"/>
+              <a:t>player_attack</a:t>
+            </a:r>
+            <a:r>
+              <a:rPr lang="en-US" dirty="0"/>
+              <a:t> = $this-&gt;player -&gt; attack();</a:t>
+            </a:r>
+          </a:p>
+          <a:p>
+            <a:pPr>
+              <a:spcBef>
+                <a:spcPts val="0"/>
+              </a:spcBef>
+            </a:pPr>
+            <a:r>
+              <a:rPr lang="en-US" dirty="0" smtClean="0"/>
+              <a:t>	$</a:t>
+            </a:r>
+            <a:r>
+              <a:rPr lang="en-US" dirty="0"/>
+              <a:t>this-&gt;</a:t>
+            </a:r>
+            <a:r>
+              <a:rPr lang="en-US" dirty="0" err="1"/>
+              <a:t>boss_attack</a:t>
+            </a:r>
+            <a:r>
+              <a:rPr lang="en-US" dirty="0"/>
+              <a:t> = $this-&gt;boss -&gt; attack();</a:t>
+            </a:r>
+          </a:p>
+          <a:p>
+            <a:pPr>
+              <a:spcBef>
+                <a:spcPts val="0"/>
+              </a:spcBef>
+            </a:pPr>
+            <a:r>
+              <a:rPr lang="en-US" dirty="0" smtClean="0"/>
+              <a:t>if</a:t>
+            </a:r>
+            <a:r>
+              <a:rPr lang="en-US" dirty="0"/>
+              <a:t>($this-&gt;</a:t>
+            </a:r>
+            <a:r>
+              <a:rPr lang="en-US" dirty="0" err="1"/>
+              <a:t>player_attack</a:t>
+            </a:r>
+            <a:r>
+              <a:rPr lang="en-US" dirty="0"/>
+              <a:t> &gt; $this-&gt;</a:t>
+            </a:r>
+            <a:r>
+              <a:rPr lang="en-US" dirty="0" err="1"/>
+              <a:t>boss_attack</a:t>
+            </a:r>
+            <a:r>
+              <a:rPr lang="en-US" dirty="0"/>
+              <a:t>){</a:t>
+            </a:r>
+          </a:p>
+          <a:p>
+            <a:pPr>
+              <a:spcBef>
+                <a:spcPts val="0"/>
+              </a:spcBef>
+            </a:pPr>
+            <a:r>
+              <a:rPr lang="en-US" dirty="0" smtClean="0"/>
+              <a:t>$</a:t>
+            </a:r>
+            <a:r>
+              <a:rPr lang="en-US" dirty="0"/>
+              <a:t>this -&gt; boss -&gt; </a:t>
+            </a:r>
+            <a:r>
+              <a:rPr lang="en-US" dirty="0" err="1"/>
+              <a:t>decreaseHealth</a:t>
+            </a:r>
+            <a:r>
+              <a:rPr lang="en-US" dirty="0"/>
+              <a:t>(($this-&gt;</a:t>
+            </a:r>
+            <a:r>
+              <a:rPr lang="en-US" dirty="0" err="1"/>
+              <a:t>player_attack</a:t>
+            </a:r>
+            <a:r>
+              <a:rPr lang="en-US" dirty="0"/>
+              <a:t>)-($this -&gt; </a:t>
+            </a:r>
+            <a:r>
+              <a:rPr lang="en-US" dirty="0" err="1" smtClean="0"/>
+              <a:t>boss_attack</a:t>
+            </a:r>
+            <a:r>
+              <a:rPr lang="en-US" dirty="0" smtClean="0"/>
+              <a:t>));</a:t>
+            </a:r>
+          </a:p>
+          <a:p>
+            <a:pPr>
+              <a:spcBef>
+                <a:spcPts val="0"/>
+              </a:spcBef>
+            </a:pPr>
+            <a:r>
+              <a:rPr lang="en-US" dirty="0"/>
+              <a:t>}else</a:t>
+            </a:r>
+            <a:r>
+              <a:rPr lang="en-US" dirty="0" smtClean="0"/>
+              <a:t>{</a:t>
+            </a:r>
+          </a:p>
+          <a:p>
+            <a:pPr>
+              <a:spcBef>
+                <a:spcPts val="0"/>
+              </a:spcBef>
+            </a:pPr>
+            <a:r>
+              <a:rPr lang="en-US" dirty="0"/>
+              <a:t>$this -&gt; player -&gt; </a:t>
+            </a:r>
+            <a:r>
+              <a:rPr lang="en-US" dirty="0" err="1"/>
+              <a:t>decreaseHealth</a:t>
+            </a:r>
+            <a:r>
+              <a:rPr lang="en-US" dirty="0"/>
+              <a:t>(($this-&gt;</a:t>
+            </a:r>
+            <a:r>
+              <a:rPr lang="en-US" dirty="0" err="1"/>
+              <a:t>boss_attack</a:t>
+            </a:r>
+            <a:r>
+              <a:rPr lang="en-US" dirty="0"/>
+              <a:t>)-($this -&gt; </a:t>
+            </a:r>
+            <a:r>
+              <a:rPr lang="en-US" dirty="0" err="1"/>
+              <a:t>player_attack</a:t>
+            </a:r>
+            <a:r>
+              <a:rPr lang="en-US" dirty="0" smtClean="0"/>
+              <a:t>));</a:t>
+            </a:r>
+          </a:p>
+          <a:p>
+            <a:pPr>
+              <a:spcBef>
+                <a:spcPts val="0"/>
+              </a:spcBef>
+            </a:pPr>
+            <a:r>
+              <a:rPr lang="en-US" dirty="0" smtClean="0"/>
+              <a:t>}}</a:t>
+            </a:r>
+          </a:p>
+          <a:p>
+            <a:pPr>
+              <a:spcBef>
+                <a:spcPts val="0"/>
+              </a:spcBef>
+            </a:pPr>
+            <a:r>
+              <a:rPr lang="en-US" dirty="0"/>
+              <a:t>function </a:t>
+            </a:r>
+            <a:r>
+              <a:rPr lang="en-US" dirty="0" err="1"/>
+              <a:t>rollDefense</a:t>
+            </a:r>
+            <a:r>
+              <a:rPr lang="en-US" dirty="0"/>
+              <a:t>(){</a:t>
+            </a:r>
+          </a:p>
+          <a:p>
+            <a:pPr>
+              <a:spcBef>
+                <a:spcPts val="0"/>
+              </a:spcBef>
+            </a:pPr>
+            <a:r>
+              <a:rPr lang="en-US" dirty="0" smtClean="0"/>
+              <a:t>	$</a:t>
+            </a:r>
+            <a:r>
+              <a:rPr lang="en-US" dirty="0"/>
+              <a:t>this-&gt;</a:t>
+            </a:r>
+            <a:r>
+              <a:rPr lang="en-US" dirty="0" err="1"/>
+              <a:t>player_attack</a:t>
+            </a:r>
+            <a:r>
+              <a:rPr lang="en-US" dirty="0"/>
+              <a:t> = $this-&gt;player -&gt; defend();</a:t>
+            </a:r>
+          </a:p>
+          <a:p>
+            <a:pPr>
+              <a:spcBef>
+                <a:spcPts val="0"/>
+              </a:spcBef>
+            </a:pPr>
+            <a:r>
+              <a:rPr lang="en-US" dirty="0"/>
+              <a:t>	</a:t>
+            </a:r>
+            <a:r>
+              <a:rPr lang="en-US" dirty="0" smtClean="0"/>
+              <a:t>$</a:t>
+            </a:r>
+            <a:r>
+              <a:rPr lang="en-US" dirty="0"/>
+              <a:t>this-&gt;</a:t>
+            </a:r>
+            <a:r>
+              <a:rPr lang="en-US" dirty="0" err="1"/>
+              <a:t>boss_attack</a:t>
+            </a:r>
+            <a:r>
+              <a:rPr lang="en-US" dirty="0"/>
+              <a:t> = $this-&gt;boss -&gt; attack();</a:t>
+            </a:r>
+          </a:p>
+          <a:p>
+            <a:pPr>
+              <a:spcBef>
+                <a:spcPts val="0"/>
+              </a:spcBef>
+            </a:pPr>
+            <a:r>
+              <a:rPr lang="en-US" dirty="0" smtClean="0"/>
+              <a:t>if</a:t>
+            </a:r>
+            <a:r>
+              <a:rPr lang="en-US" dirty="0"/>
+              <a:t>($this-&gt;</a:t>
+            </a:r>
+            <a:r>
+              <a:rPr lang="en-US" dirty="0" err="1"/>
+              <a:t>player_attack</a:t>
+            </a:r>
+            <a:r>
+              <a:rPr lang="en-US" dirty="0"/>
+              <a:t> &lt; $this-&gt;</a:t>
+            </a:r>
+            <a:r>
+              <a:rPr lang="en-US" dirty="0" err="1"/>
+              <a:t>boss_attack</a:t>
+            </a:r>
+            <a:r>
+              <a:rPr lang="en-US" dirty="0"/>
+              <a:t>){</a:t>
+            </a:r>
+          </a:p>
+          <a:p>
+            <a:pPr>
+              <a:spcBef>
+                <a:spcPts val="0"/>
+              </a:spcBef>
+            </a:pPr>
+            <a:r>
+              <a:rPr lang="en-US" dirty="0"/>
+              <a:t>	</a:t>
+            </a:r>
+            <a:r>
+              <a:rPr lang="en-US" dirty="0" smtClean="0"/>
+              <a:t>$</a:t>
+            </a:r>
+            <a:r>
+              <a:rPr lang="en-US" dirty="0"/>
+              <a:t>this -&gt; player -&gt; </a:t>
+            </a:r>
+            <a:r>
+              <a:rPr lang="en-US" dirty="0" err="1"/>
+              <a:t>decreaseHealth</a:t>
+            </a:r>
+            <a:r>
+              <a:rPr lang="en-US" dirty="0"/>
+              <a:t>(($this-&gt;</a:t>
+            </a:r>
+            <a:r>
+              <a:rPr lang="en-US" dirty="0" err="1"/>
+              <a:t>boss_attack</a:t>
+            </a:r>
+            <a:r>
+              <a:rPr lang="en-US" dirty="0"/>
+              <a:t>)-($this -&gt; </a:t>
+            </a:r>
+            <a:r>
+              <a:rPr lang="en-US" dirty="0" err="1" smtClean="0"/>
+              <a:t>player_attack</a:t>
+            </a:r>
+            <a:r>
+              <a:rPr lang="en-US" dirty="0" smtClean="0"/>
+              <a:t>));</a:t>
+            </a:r>
+          </a:p>
+          <a:p>
+            <a:pPr>
+              <a:spcBef>
+                <a:spcPts val="0"/>
+              </a:spcBef>
+            </a:pPr>
+            <a:r>
+              <a:rPr lang="en-US" dirty="0" smtClean="0"/>
+              <a:t>}}</a:t>
+            </a:r>
+            <a:endParaRPr lang="en-US" dirty="0"/>
+          </a:p>
+          <a:p>
+            <a:pPr>
+              <a:spcBef>
+                <a:spcPts val="0"/>
+              </a:spcBef>
+            </a:pPr>
+            <a:r>
+              <a:rPr lang="en-US" dirty="0" smtClean="0"/>
+              <a:t>function </a:t>
+            </a:r>
+            <a:r>
+              <a:rPr lang="en-US" dirty="0"/>
+              <a:t>heal(){</a:t>
+            </a:r>
+          </a:p>
+          <a:p>
+            <a:pPr>
+              <a:spcBef>
+                <a:spcPts val="0"/>
+              </a:spcBef>
+            </a:pPr>
+            <a:r>
+              <a:rPr lang="en-US" dirty="0"/>
+              <a:t>	</a:t>
+            </a:r>
+            <a:r>
+              <a:rPr lang="en-US" dirty="0" smtClean="0"/>
+              <a:t>if</a:t>
+            </a:r>
+            <a:r>
+              <a:rPr lang="en-US" dirty="0"/>
+              <a:t>($this-&gt;player-&gt;</a:t>
+            </a:r>
+            <a:r>
+              <a:rPr lang="en-US" dirty="0" err="1"/>
+              <a:t>getMana</a:t>
+            </a:r>
+            <a:r>
+              <a:rPr lang="en-US" dirty="0"/>
+              <a:t>() &gt;= 2){</a:t>
+            </a:r>
+          </a:p>
+          <a:p>
+            <a:pPr>
+              <a:spcBef>
+                <a:spcPts val="0"/>
+              </a:spcBef>
+            </a:pPr>
+            <a:r>
+              <a:rPr lang="en-US" dirty="0"/>
+              <a:t>		</a:t>
+            </a:r>
+            <a:r>
+              <a:rPr lang="en-US" dirty="0" smtClean="0"/>
+              <a:t>$</a:t>
+            </a:r>
+            <a:r>
+              <a:rPr lang="en-US" dirty="0"/>
+              <a:t>this-&gt;player-&gt; </a:t>
+            </a:r>
+            <a:r>
+              <a:rPr lang="en-US" dirty="0" err="1"/>
+              <a:t>decreaseHealth</a:t>
+            </a:r>
+            <a:r>
+              <a:rPr lang="en-US" dirty="0"/>
+              <a:t>(-40);</a:t>
+            </a:r>
+          </a:p>
+          <a:p>
+            <a:pPr>
+              <a:spcBef>
+                <a:spcPts val="0"/>
+              </a:spcBef>
+            </a:pPr>
+            <a:r>
+              <a:rPr lang="en-US" dirty="0"/>
+              <a:t>		</a:t>
+            </a:r>
+            <a:r>
+              <a:rPr lang="en-US" dirty="0" smtClean="0"/>
+              <a:t>$</a:t>
+            </a:r>
+            <a:r>
+              <a:rPr lang="en-US" dirty="0"/>
+              <a:t>this-&gt;player-&gt; </a:t>
+            </a:r>
+            <a:r>
+              <a:rPr lang="en-US" dirty="0" err="1"/>
+              <a:t>decreaseMana</a:t>
+            </a:r>
+            <a:r>
+              <a:rPr lang="en-US" dirty="0"/>
+              <a:t>(2);</a:t>
+            </a:r>
+          </a:p>
+          <a:p>
+            <a:pPr>
+              <a:spcBef>
+                <a:spcPts val="0"/>
+              </a:spcBef>
+            </a:pPr>
+            <a:r>
+              <a:rPr lang="en-US" dirty="0" smtClean="0"/>
+              <a:t>}}</a:t>
+            </a:r>
+            <a:endParaRPr lang="en-US" dirty="0" smtClean="0"/>
           </a:p>
         </p:txBody>
       </p:sp>
     </p:spTree>
     <p:extLst>
       <p:ext uri="{BB962C8B-B14F-4D97-AF65-F5344CB8AC3E}">
-        <p14:creationId xmlns:p14="http://schemas.microsoft.com/office/powerpoint/2010/main" val="1916105737"/>
+        <p14:creationId xmlns:p14="http://schemas.microsoft.com/office/powerpoint/2010/main" val="499187321"/>
       </p:ext>
     </p:extLst>
   </p:cSld>
   <p:clrMapOvr>
     <a:masterClrMapping/>
   </p:clrMapOvr>
+  <p:timing>
+    <p:tnLst>
+      <p:par>
+        <p:cTn id="1" dur="indefinite" restart="never" nodeType="tmRoot"/>
+      </p:par>
+    </p:tnLst>
+  </p:timing>
 </p:sld>
 </file>
 
@@ -12742,7 +13802,12 @@
             <p:ph type="title"/>
           </p:nvPr>
         </p:nvSpPr>
-        <p:spPr/>
+        <p:spPr>
+          <a:xfrm>
+            <a:off x="437881" y="315531"/>
+            <a:ext cx="2962141" cy="588135"/>
+          </a:xfrm>
+        </p:spPr>
         <p:txBody>
           <a:bodyPr/>
           <a:lstStyle/>
@@ -12754,18 +13819,6 @@
             <a:endParaRPr lang="en-US" dirty="0"/>
           </a:p>
         </p:txBody>
-      </p:sp>
-      <p:sp>
-        <p:nvSpPr>
-          <p:cNvPr id="3" name="Picture Placeholder 2"/>
-          <p:cNvSpPr>
-            <a:spLocks noGrp="1"/>
-          </p:cNvSpPr>
-          <p:nvPr>
-            <p:ph type="pic" idx="1"/>
-          </p:nvPr>
-        </p:nvSpPr>
-        <p:spPr/>
       </p:sp>
       <p:sp>
         <p:nvSpPr>
@@ -12777,25 +13830,534 @@
             <p:ph type="body" sz="half" idx="2"/>
           </p:nvPr>
         </p:nvSpPr>
-        <p:spPr/>
+        <p:spPr>
+          <a:xfrm>
+            <a:off x="7250806" y="609599"/>
+            <a:ext cx="4448631" cy="5842715"/>
+          </a:xfrm>
+        </p:spPr>
         <p:txBody>
-          <a:bodyPr/>
+          <a:bodyPr>
+            <a:normAutofit fontScale="92500" lnSpcReduction="10000"/>
+          </a:bodyPr>
           <a:lstStyle/>
           <a:p>
-            <a:endParaRPr lang="en-US"/>
+            <a:pPr>
+              <a:spcBef>
+                <a:spcPts val="0"/>
+              </a:spcBef>
+            </a:pPr>
+            <a:r>
+              <a:rPr lang="en-US" dirty="0"/>
+              <a:t>class Character{</a:t>
+            </a:r>
+          </a:p>
+          <a:p>
+            <a:pPr>
+              <a:spcBef>
+                <a:spcPts val="0"/>
+              </a:spcBef>
+            </a:pPr>
+            <a:r>
+              <a:rPr lang="en-US" dirty="0"/>
+              <a:t>	</a:t>
+            </a:r>
+            <a:r>
+              <a:rPr lang="en-US" dirty="0" smtClean="0"/>
+              <a:t>private </a:t>
+            </a:r>
+            <a:r>
+              <a:rPr lang="en-US" dirty="0"/>
+              <a:t>$health;</a:t>
+            </a:r>
+          </a:p>
+          <a:p>
+            <a:pPr>
+              <a:spcBef>
+                <a:spcPts val="0"/>
+              </a:spcBef>
+            </a:pPr>
+            <a:r>
+              <a:rPr lang="en-US" dirty="0"/>
+              <a:t>	</a:t>
+            </a:r>
+            <a:r>
+              <a:rPr lang="en-US" dirty="0" smtClean="0"/>
+              <a:t>public </a:t>
+            </a:r>
+            <a:r>
+              <a:rPr lang="en-US" dirty="0"/>
+              <a:t>$</a:t>
+            </a:r>
+            <a:r>
+              <a:rPr lang="en-US" dirty="0" err="1"/>
+              <a:t>atk</a:t>
+            </a:r>
+            <a:r>
+              <a:rPr lang="en-US" dirty="0"/>
+              <a:t>;</a:t>
+            </a:r>
+          </a:p>
+          <a:p>
+            <a:pPr>
+              <a:spcBef>
+                <a:spcPts val="0"/>
+              </a:spcBef>
+            </a:pPr>
+            <a:r>
+              <a:rPr lang="en-US" dirty="0"/>
+              <a:t>	</a:t>
+            </a:r>
+            <a:r>
+              <a:rPr lang="en-US" dirty="0" smtClean="0"/>
+              <a:t>public </a:t>
+            </a:r>
+            <a:r>
+              <a:rPr lang="en-US" dirty="0"/>
+              <a:t>$</a:t>
+            </a:r>
+            <a:r>
+              <a:rPr lang="en-US" dirty="0" err="1"/>
+              <a:t>def</a:t>
+            </a:r>
+            <a:r>
+              <a:rPr lang="en-US" dirty="0"/>
+              <a:t>;</a:t>
+            </a:r>
+          </a:p>
+          <a:p>
+            <a:pPr>
+              <a:spcBef>
+                <a:spcPts val="0"/>
+              </a:spcBef>
+            </a:pPr>
+            <a:r>
+              <a:rPr lang="en-US" dirty="0" smtClean="0"/>
+              <a:t>function </a:t>
+            </a:r>
+            <a:r>
+              <a:rPr lang="en-US" dirty="0"/>
+              <a:t>__construct($</a:t>
+            </a:r>
+            <a:r>
+              <a:rPr lang="en-US" dirty="0" err="1"/>
+              <a:t>x,$y,$z</a:t>
+            </a:r>
+            <a:r>
+              <a:rPr lang="en-US" dirty="0"/>
+              <a:t>){</a:t>
+            </a:r>
+          </a:p>
+          <a:p>
+            <a:pPr>
+              <a:spcBef>
+                <a:spcPts val="0"/>
+              </a:spcBef>
+            </a:pPr>
+            <a:r>
+              <a:rPr lang="en-US" dirty="0"/>
+              <a:t>	</a:t>
+            </a:r>
+            <a:r>
+              <a:rPr lang="en-US" dirty="0" smtClean="0"/>
+              <a:t>$</a:t>
+            </a:r>
+            <a:r>
+              <a:rPr lang="en-US" dirty="0"/>
+              <a:t>this-&gt; health = $x;</a:t>
+            </a:r>
+          </a:p>
+          <a:p>
+            <a:pPr>
+              <a:spcBef>
+                <a:spcPts val="0"/>
+              </a:spcBef>
+            </a:pPr>
+            <a:r>
+              <a:rPr lang="en-US" dirty="0"/>
+              <a:t>	</a:t>
+            </a:r>
+            <a:r>
+              <a:rPr lang="en-US" dirty="0" smtClean="0"/>
+              <a:t>$</a:t>
+            </a:r>
+            <a:r>
+              <a:rPr lang="en-US" dirty="0"/>
+              <a:t>this -&gt; </a:t>
+            </a:r>
+            <a:r>
+              <a:rPr lang="en-US" dirty="0" err="1"/>
+              <a:t>atk</a:t>
+            </a:r>
+            <a:r>
+              <a:rPr lang="en-US" dirty="0"/>
+              <a:t> = $y;</a:t>
+            </a:r>
+          </a:p>
+          <a:p>
+            <a:pPr>
+              <a:spcBef>
+                <a:spcPts val="0"/>
+              </a:spcBef>
+            </a:pPr>
+            <a:r>
+              <a:rPr lang="en-US" dirty="0"/>
+              <a:t>	</a:t>
+            </a:r>
+            <a:r>
+              <a:rPr lang="en-US" dirty="0" smtClean="0"/>
+              <a:t>$</a:t>
+            </a:r>
+            <a:r>
+              <a:rPr lang="en-US" dirty="0"/>
+              <a:t>this -&gt; </a:t>
+            </a:r>
+            <a:r>
+              <a:rPr lang="en-US" dirty="0" err="1"/>
+              <a:t>def</a:t>
+            </a:r>
+            <a:r>
+              <a:rPr lang="en-US" dirty="0"/>
+              <a:t> = $z;</a:t>
+            </a:r>
+          </a:p>
+          <a:p>
+            <a:pPr>
+              <a:spcBef>
+                <a:spcPts val="0"/>
+              </a:spcBef>
+            </a:pPr>
+            <a:r>
+              <a:rPr lang="en-US" dirty="0" smtClean="0"/>
+              <a:t>}</a:t>
+            </a:r>
+            <a:endParaRPr lang="en-US" dirty="0"/>
+          </a:p>
+          <a:p>
+            <a:pPr>
+              <a:spcBef>
+                <a:spcPts val="0"/>
+              </a:spcBef>
+            </a:pPr>
+            <a:r>
+              <a:rPr lang="en-US" dirty="0" smtClean="0"/>
+              <a:t>function </a:t>
+            </a:r>
+            <a:r>
+              <a:rPr lang="en-US" dirty="0"/>
+              <a:t>attack(){</a:t>
+            </a:r>
+          </a:p>
+          <a:p>
+            <a:pPr>
+              <a:spcBef>
+                <a:spcPts val="0"/>
+              </a:spcBef>
+            </a:pPr>
+            <a:r>
+              <a:rPr lang="en-US" dirty="0"/>
+              <a:t>	</a:t>
+            </a:r>
+            <a:r>
+              <a:rPr lang="en-US" dirty="0" smtClean="0"/>
+              <a:t>$</a:t>
+            </a:r>
+            <a:r>
+              <a:rPr lang="en-US" dirty="0"/>
+              <a:t>total = 0;</a:t>
+            </a:r>
+          </a:p>
+          <a:p>
+            <a:pPr>
+              <a:spcBef>
+                <a:spcPts val="0"/>
+              </a:spcBef>
+            </a:pPr>
+            <a:r>
+              <a:rPr lang="en-US" dirty="0"/>
+              <a:t>	</a:t>
+            </a:r>
+            <a:r>
+              <a:rPr lang="en-US" dirty="0" smtClean="0"/>
+              <a:t>for</a:t>
+            </a:r>
+            <a:r>
+              <a:rPr lang="en-US" dirty="0"/>
+              <a:t>($</a:t>
+            </a:r>
+            <a:r>
+              <a:rPr lang="en-US" dirty="0" err="1"/>
+              <a:t>i</a:t>
+            </a:r>
+            <a:r>
+              <a:rPr lang="en-US" dirty="0"/>
+              <a:t>=0; $</a:t>
+            </a:r>
+            <a:r>
+              <a:rPr lang="en-US" dirty="0" err="1"/>
+              <a:t>i</a:t>
+            </a:r>
+            <a:r>
+              <a:rPr lang="en-US" dirty="0"/>
+              <a:t>&lt;$this-&gt;</a:t>
+            </a:r>
+            <a:r>
+              <a:rPr lang="en-US" dirty="0" err="1"/>
+              <a:t>atk</a:t>
+            </a:r>
+            <a:r>
+              <a:rPr lang="en-US" dirty="0"/>
+              <a:t>; $</a:t>
+            </a:r>
+            <a:r>
+              <a:rPr lang="en-US" dirty="0" err="1"/>
+              <a:t>i</a:t>
+            </a:r>
+            <a:r>
+              <a:rPr lang="en-US" dirty="0"/>
+              <a:t>++){</a:t>
+            </a:r>
+          </a:p>
+          <a:p>
+            <a:pPr>
+              <a:spcBef>
+                <a:spcPts val="0"/>
+              </a:spcBef>
+            </a:pPr>
+            <a:r>
+              <a:rPr lang="en-US" dirty="0"/>
+              <a:t>		</a:t>
+            </a:r>
+            <a:r>
+              <a:rPr lang="en-US" dirty="0" smtClean="0"/>
+              <a:t>$</a:t>
+            </a:r>
+            <a:r>
+              <a:rPr lang="en-US" dirty="0"/>
+              <a:t>total += rand(1,6);</a:t>
+            </a:r>
+          </a:p>
+          <a:p>
+            <a:pPr>
+              <a:spcBef>
+                <a:spcPts val="0"/>
+              </a:spcBef>
+            </a:pPr>
+            <a:r>
+              <a:rPr lang="en-US" dirty="0"/>
+              <a:t>	</a:t>
+            </a:r>
+            <a:r>
+              <a:rPr lang="en-US" dirty="0" smtClean="0"/>
+              <a:t>}</a:t>
+            </a:r>
+            <a:endParaRPr lang="en-US" dirty="0"/>
+          </a:p>
+          <a:p>
+            <a:pPr>
+              <a:spcBef>
+                <a:spcPts val="0"/>
+              </a:spcBef>
+            </a:pPr>
+            <a:r>
+              <a:rPr lang="en-US" dirty="0"/>
+              <a:t>	</a:t>
+            </a:r>
+            <a:r>
+              <a:rPr lang="en-US" dirty="0" smtClean="0"/>
+              <a:t>return </a:t>
+            </a:r>
+            <a:r>
+              <a:rPr lang="en-US" dirty="0"/>
+              <a:t>$total;</a:t>
+            </a:r>
+          </a:p>
+          <a:p>
+            <a:pPr>
+              <a:spcBef>
+                <a:spcPts val="0"/>
+              </a:spcBef>
+            </a:pPr>
+            <a:r>
+              <a:rPr lang="en-US" dirty="0"/>
+              <a:t>	</a:t>
+            </a:r>
+            <a:r>
+              <a:rPr lang="en-US" dirty="0" smtClean="0"/>
+              <a:t>}</a:t>
+            </a:r>
+            <a:endParaRPr lang="en-US" dirty="0"/>
+          </a:p>
+          <a:p>
+            <a:pPr>
+              <a:spcBef>
+                <a:spcPts val="0"/>
+              </a:spcBef>
+            </a:pPr>
+            <a:r>
+              <a:rPr lang="en-US" dirty="0" smtClean="0"/>
+              <a:t>function </a:t>
+            </a:r>
+            <a:r>
+              <a:rPr lang="en-US" dirty="0" err="1"/>
+              <a:t>getHealth</a:t>
+            </a:r>
+            <a:r>
+              <a:rPr lang="en-US" dirty="0"/>
+              <a:t>(){</a:t>
+            </a:r>
+          </a:p>
+          <a:p>
+            <a:pPr>
+              <a:spcBef>
+                <a:spcPts val="0"/>
+              </a:spcBef>
+            </a:pPr>
+            <a:r>
+              <a:rPr lang="en-US" dirty="0"/>
+              <a:t>	</a:t>
+            </a:r>
+            <a:r>
+              <a:rPr lang="en-US" dirty="0" smtClean="0"/>
+              <a:t>return </a:t>
+            </a:r>
+            <a:r>
+              <a:rPr lang="en-US" dirty="0"/>
+              <a:t>$this-&gt; health;</a:t>
+            </a:r>
+          </a:p>
+          <a:p>
+            <a:pPr>
+              <a:spcBef>
+                <a:spcPts val="0"/>
+              </a:spcBef>
+            </a:pPr>
+            <a:r>
+              <a:rPr lang="en-US" dirty="0" smtClean="0"/>
+              <a:t>}</a:t>
+            </a:r>
+            <a:endParaRPr lang="en-US" dirty="0"/>
+          </a:p>
+          <a:p>
+            <a:pPr>
+              <a:spcBef>
+                <a:spcPts val="0"/>
+              </a:spcBef>
+            </a:pPr>
+            <a:r>
+              <a:rPr lang="en-US" dirty="0" smtClean="0"/>
+              <a:t>function </a:t>
+            </a:r>
+            <a:r>
+              <a:rPr lang="en-US" dirty="0" err="1"/>
+              <a:t>setHealth</a:t>
+            </a:r>
+            <a:r>
+              <a:rPr lang="en-US" dirty="0"/>
+              <a:t>($health){</a:t>
+            </a:r>
+          </a:p>
+          <a:p>
+            <a:pPr>
+              <a:spcBef>
+                <a:spcPts val="0"/>
+              </a:spcBef>
+            </a:pPr>
+            <a:r>
+              <a:rPr lang="en-US" dirty="0"/>
+              <a:t>	</a:t>
+            </a:r>
+            <a:r>
+              <a:rPr lang="en-US" dirty="0" smtClean="0"/>
+              <a:t>$</a:t>
+            </a:r>
+            <a:r>
+              <a:rPr lang="en-US" dirty="0"/>
+              <a:t>this-&gt;health =$health;</a:t>
+            </a:r>
+          </a:p>
+          <a:p>
+            <a:pPr>
+              <a:spcBef>
+                <a:spcPts val="0"/>
+              </a:spcBef>
+            </a:pPr>
+            <a:r>
+              <a:rPr lang="en-US" dirty="0" smtClean="0"/>
+              <a:t>}	</a:t>
+            </a:r>
+            <a:r>
+              <a:rPr lang="en-US" dirty="0" smtClean="0"/>
+              <a:t>}</a:t>
+            </a:r>
           </a:p>
         </p:txBody>
       </p:sp>
+      <p:pic>
+        <p:nvPicPr>
+          <p:cNvPr id="3" name="Picture 2"/>
+          <p:cNvPicPr>
+            <a:picLocks noChangeAspect="1"/>
+          </p:cNvPicPr>
+          <p:nvPr/>
+        </p:nvPicPr>
+        <p:blipFill>
+          <a:blip r:embed="rId2"/>
+          <a:stretch>
+            <a:fillRect/>
+          </a:stretch>
+        </p:blipFill>
+        <p:spPr>
+          <a:xfrm>
+            <a:off x="323195" y="903666"/>
+            <a:ext cx="4338957" cy="2704116"/>
+          </a:xfrm>
+          <a:prstGeom prst="rect">
+            <a:avLst/>
+          </a:prstGeom>
+        </p:spPr>
+      </p:pic>
+      <p:pic>
+        <p:nvPicPr>
+          <p:cNvPr id="5" name="Picture 4"/>
+          <p:cNvPicPr>
+            <a:picLocks noChangeAspect="1"/>
+          </p:cNvPicPr>
+          <p:nvPr/>
+        </p:nvPicPr>
+        <p:blipFill>
+          <a:blip r:embed="rId3"/>
+          <a:stretch>
+            <a:fillRect/>
+          </a:stretch>
+        </p:blipFill>
+        <p:spPr>
+          <a:xfrm>
+            <a:off x="2812793" y="3607782"/>
+            <a:ext cx="3698717" cy="3073475"/>
+          </a:xfrm>
+          <a:prstGeom prst="rect">
+            <a:avLst/>
+          </a:prstGeom>
+        </p:spPr>
+      </p:pic>
     </p:spTree>
     <p:extLst>
       <p:ext uri="{BB962C8B-B14F-4D97-AF65-F5344CB8AC3E}">
-        <p14:creationId xmlns:p14="http://schemas.microsoft.com/office/powerpoint/2010/main" val="2119245364"/>
+        <p14:creationId xmlns:p14="http://schemas.microsoft.com/office/powerpoint/2010/main" val="2972107766"/>
       </p:ext>
     </p:extLst>
   </p:cSld>
   <p:clrMapOvr>
     <a:masterClrMapping/>
   </p:clrMapOvr>
+  <p:timing>
+    <p:tnLst>
+      <p:par>
+        <p:cTn id="1" dur="indefinite" restart="never" nodeType="tmRoot"/>
+      </p:par>
+    </p:tnLst>
+  </p:timing>
 </p:sld>
 </file>
 
@@ -12826,7 +14388,12 @@
             <p:ph type="title"/>
           </p:nvPr>
         </p:nvSpPr>
-        <p:spPr/>
+        <p:spPr>
+          <a:xfrm>
+            <a:off x="1210614" y="609600"/>
+            <a:ext cx="2228045" cy="1639886"/>
+          </a:xfrm>
+        </p:spPr>
         <p:txBody>
           <a:bodyPr/>
           <a:lstStyle/>
@@ -12838,18 +14405,6 @@
             <a:endParaRPr lang="en-US" dirty="0"/>
           </a:p>
         </p:txBody>
-      </p:sp>
-      <p:sp>
-        <p:nvSpPr>
-          <p:cNvPr id="3" name="Picture Placeholder 2"/>
-          <p:cNvSpPr>
-            <a:spLocks noGrp="1"/>
-          </p:cNvSpPr>
-          <p:nvPr>
-            <p:ph type="pic" idx="1"/>
-          </p:nvPr>
-        </p:nvSpPr>
-        <p:spPr/>
       </p:sp>
       <p:sp>
         <p:nvSpPr>
@@ -12861,25 +14416,448 @@
             <p:ph type="body" sz="half" idx="2"/>
           </p:nvPr>
         </p:nvSpPr>
-        <p:spPr/>
+        <p:spPr>
+          <a:xfrm>
+            <a:off x="5653826" y="609599"/>
+            <a:ext cx="6045612" cy="5842715"/>
+          </a:xfrm>
+        </p:spPr>
         <p:txBody>
-          <a:bodyPr/>
+          <a:bodyPr>
+            <a:normAutofit fontScale="92500" lnSpcReduction="10000"/>
+          </a:bodyPr>
           <a:lstStyle/>
           <a:p>
-            <a:endParaRPr lang="en-US"/>
+            <a:pPr>
+              <a:spcBef>
+                <a:spcPts val="0"/>
+              </a:spcBef>
+            </a:pPr>
+            <a:r>
+              <a:rPr lang="en-US" dirty="0"/>
+              <a:t>class Player extends Character{</a:t>
+            </a:r>
+          </a:p>
+          <a:p>
+            <a:pPr>
+              <a:spcBef>
+                <a:spcPts val="0"/>
+              </a:spcBef>
+            </a:pPr>
+            <a:r>
+              <a:rPr lang="en-US" dirty="0" smtClean="0"/>
+              <a:t>private </a:t>
+            </a:r>
+            <a:r>
+              <a:rPr lang="en-US" dirty="0"/>
+              <a:t>$mana;</a:t>
+            </a:r>
+          </a:p>
+          <a:p>
+            <a:pPr>
+              <a:spcBef>
+                <a:spcPts val="0"/>
+              </a:spcBef>
+            </a:pPr>
+            <a:r>
+              <a:rPr lang="en-US" dirty="0" smtClean="0"/>
+              <a:t>function </a:t>
+            </a:r>
+            <a:r>
+              <a:rPr lang="en-US" dirty="0"/>
+              <a:t>__construct($w, $x, $y, $z){</a:t>
+            </a:r>
+          </a:p>
+          <a:p>
+            <a:pPr>
+              <a:spcBef>
+                <a:spcPts val="0"/>
+              </a:spcBef>
+            </a:pPr>
+            <a:r>
+              <a:rPr lang="en-US" dirty="0"/>
+              <a:t>	</a:t>
+            </a:r>
+            <a:r>
+              <a:rPr lang="en-US" dirty="0" smtClean="0"/>
+              <a:t>parent</a:t>
+            </a:r>
+            <a:r>
+              <a:rPr lang="en-US" dirty="0"/>
+              <a:t>:: __construct($x, $y, $z);</a:t>
+            </a:r>
+          </a:p>
+          <a:p>
+            <a:pPr>
+              <a:spcBef>
+                <a:spcPts val="0"/>
+              </a:spcBef>
+            </a:pPr>
+            <a:r>
+              <a:rPr lang="en-US" dirty="0"/>
+              <a:t>	</a:t>
+            </a:r>
+            <a:r>
+              <a:rPr lang="en-US" dirty="0" smtClean="0"/>
+              <a:t>$</a:t>
+            </a:r>
+            <a:r>
+              <a:rPr lang="en-US" dirty="0"/>
+              <a:t>this -&gt; mana = $w;</a:t>
+            </a:r>
+          </a:p>
+          <a:p>
+            <a:pPr>
+              <a:spcBef>
+                <a:spcPts val="0"/>
+              </a:spcBef>
+            </a:pPr>
+            <a:r>
+              <a:rPr lang="en-US" dirty="0" smtClean="0"/>
+              <a:t>}</a:t>
+            </a:r>
+            <a:endParaRPr lang="en-US" dirty="0"/>
+          </a:p>
+          <a:p>
+            <a:pPr>
+              <a:spcBef>
+                <a:spcPts val="0"/>
+              </a:spcBef>
+            </a:pPr>
+            <a:r>
+              <a:rPr lang="en-US" dirty="0" smtClean="0"/>
+              <a:t>public </a:t>
+            </a:r>
+            <a:r>
+              <a:rPr lang="en-US" dirty="0"/>
+              <a:t>function defend(){</a:t>
+            </a:r>
+          </a:p>
+          <a:p>
+            <a:pPr>
+              <a:spcBef>
+                <a:spcPts val="0"/>
+              </a:spcBef>
+            </a:pPr>
+            <a:r>
+              <a:rPr lang="en-US" dirty="0"/>
+              <a:t>	</a:t>
+            </a:r>
+            <a:r>
+              <a:rPr lang="en-US" dirty="0" smtClean="0"/>
+              <a:t>$</a:t>
+            </a:r>
+            <a:r>
+              <a:rPr lang="en-US" dirty="0"/>
+              <a:t>total = 0;</a:t>
+            </a:r>
+          </a:p>
+          <a:p>
+            <a:pPr>
+              <a:spcBef>
+                <a:spcPts val="0"/>
+              </a:spcBef>
+            </a:pPr>
+            <a:r>
+              <a:rPr lang="en-US" dirty="0"/>
+              <a:t>	</a:t>
+            </a:r>
+            <a:r>
+              <a:rPr lang="en-US" dirty="0" smtClean="0"/>
+              <a:t>for</a:t>
+            </a:r>
+            <a:r>
+              <a:rPr lang="en-US" dirty="0"/>
+              <a:t>($</a:t>
+            </a:r>
+            <a:r>
+              <a:rPr lang="en-US" dirty="0" err="1"/>
+              <a:t>i</a:t>
+            </a:r>
+            <a:r>
+              <a:rPr lang="en-US" dirty="0"/>
+              <a:t>=0; $</a:t>
+            </a:r>
+            <a:r>
+              <a:rPr lang="en-US" dirty="0" err="1"/>
+              <a:t>i</a:t>
+            </a:r>
+            <a:r>
+              <a:rPr lang="en-US" dirty="0"/>
+              <a:t>&lt;$this-&gt;</a:t>
+            </a:r>
+            <a:r>
+              <a:rPr lang="en-US" dirty="0" err="1"/>
+              <a:t>def</a:t>
+            </a:r>
+            <a:r>
+              <a:rPr lang="en-US" dirty="0"/>
+              <a:t>; $</a:t>
+            </a:r>
+            <a:r>
+              <a:rPr lang="en-US" dirty="0" err="1"/>
+              <a:t>i</a:t>
+            </a:r>
+            <a:r>
+              <a:rPr lang="en-US" dirty="0"/>
+              <a:t>++){</a:t>
+            </a:r>
+          </a:p>
+          <a:p>
+            <a:pPr>
+              <a:spcBef>
+                <a:spcPts val="0"/>
+              </a:spcBef>
+            </a:pPr>
+            <a:r>
+              <a:rPr lang="en-US" dirty="0"/>
+              <a:t>		</a:t>
+            </a:r>
+            <a:r>
+              <a:rPr lang="en-US" dirty="0" smtClean="0"/>
+              <a:t>$</a:t>
+            </a:r>
+            <a:r>
+              <a:rPr lang="en-US" dirty="0"/>
+              <a:t>total += rand(1,6);</a:t>
+            </a:r>
+          </a:p>
+          <a:p>
+            <a:pPr>
+              <a:spcBef>
+                <a:spcPts val="0"/>
+              </a:spcBef>
+            </a:pPr>
+            <a:r>
+              <a:rPr lang="en-US" dirty="0"/>
+              <a:t>	</a:t>
+            </a:r>
+            <a:r>
+              <a:rPr lang="en-US" dirty="0" smtClean="0"/>
+              <a:t>}return </a:t>
+            </a:r>
+            <a:r>
+              <a:rPr lang="en-US" dirty="0"/>
+              <a:t>$total;</a:t>
+            </a:r>
+          </a:p>
+          <a:p>
+            <a:pPr>
+              <a:spcBef>
+                <a:spcPts val="0"/>
+              </a:spcBef>
+            </a:pPr>
+            <a:r>
+              <a:rPr lang="en-US" dirty="0" smtClean="0"/>
+              <a:t>}</a:t>
+            </a:r>
+            <a:endParaRPr lang="en-US" dirty="0"/>
+          </a:p>
+          <a:p>
+            <a:pPr>
+              <a:spcBef>
+                <a:spcPts val="0"/>
+              </a:spcBef>
+            </a:pPr>
+            <a:r>
+              <a:rPr lang="en-US" dirty="0" smtClean="0"/>
+              <a:t>public </a:t>
+            </a:r>
+            <a:r>
+              <a:rPr lang="en-US" dirty="0"/>
+              <a:t>function </a:t>
+            </a:r>
+            <a:r>
+              <a:rPr lang="en-US" dirty="0" err="1"/>
+              <a:t>getMana</a:t>
+            </a:r>
+            <a:r>
+              <a:rPr lang="en-US" dirty="0"/>
+              <a:t>(){</a:t>
+            </a:r>
+          </a:p>
+          <a:p>
+            <a:pPr>
+              <a:spcBef>
+                <a:spcPts val="0"/>
+              </a:spcBef>
+            </a:pPr>
+            <a:r>
+              <a:rPr lang="en-US" dirty="0"/>
+              <a:t>	</a:t>
+            </a:r>
+            <a:r>
+              <a:rPr lang="en-US" dirty="0" smtClean="0"/>
+              <a:t>return </a:t>
+            </a:r>
+            <a:r>
+              <a:rPr lang="en-US" dirty="0"/>
+              <a:t>$this -&gt; mana;</a:t>
+            </a:r>
+          </a:p>
+          <a:p>
+            <a:pPr>
+              <a:spcBef>
+                <a:spcPts val="0"/>
+              </a:spcBef>
+            </a:pPr>
+            <a:r>
+              <a:rPr lang="en-US" dirty="0" smtClean="0"/>
+              <a:t>}</a:t>
+            </a:r>
+            <a:endParaRPr lang="en-US" dirty="0"/>
+          </a:p>
+          <a:p>
+            <a:pPr>
+              <a:spcBef>
+                <a:spcPts val="0"/>
+              </a:spcBef>
+            </a:pPr>
+            <a:r>
+              <a:rPr lang="en-US" dirty="0" smtClean="0"/>
+              <a:t>public </a:t>
+            </a:r>
+            <a:r>
+              <a:rPr lang="en-US" dirty="0"/>
+              <a:t>function </a:t>
+            </a:r>
+            <a:r>
+              <a:rPr lang="en-US" dirty="0" err="1"/>
+              <a:t>setMana</a:t>
+            </a:r>
+            <a:r>
+              <a:rPr lang="en-US" dirty="0"/>
+              <a:t>($mana){</a:t>
+            </a:r>
+          </a:p>
+          <a:p>
+            <a:pPr>
+              <a:spcBef>
+                <a:spcPts val="0"/>
+              </a:spcBef>
+            </a:pPr>
+            <a:r>
+              <a:rPr lang="en-US" dirty="0"/>
+              <a:t>	</a:t>
+            </a:r>
+            <a:r>
+              <a:rPr lang="en-US" dirty="0" smtClean="0"/>
+              <a:t>$</a:t>
+            </a:r>
+            <a:r>
+              <a:rPr lang="en-US" dirty="0"/>
+              <a:t>this -&gt; mana = $mana;</a:t>
+            </a:r>
+          </a:p>
+          <a:p>
+            <a:pPr>
+              <a:spcBef>
+                <a:spcPts val="0"/>
+              </a:spcBef>
+            </a:pPr>
+            <a:r>
+              <a:rPr lang="en-US" dirty="0" smtClean="0"/>
+              <a:t>}</a:t>
+            </a:r>
+            <a:endParaRPr lang="en-US" dirty="0"/>
+          </a:p>
+          <a:p>
+            <a:pPr>
+              <a:spcBef>
+                <a:spcPts val="0"/>
+              </a:spcBef>
+            </a:pPr>
+            <a:r>
+              <a:rPr lang="en-US" dirty="0" smtClean="0"/>
+              <a:t>public </a:t>
+            </a:r>
+            <a:r>
+              <a:rPr lang="en-US" dirty="0"/>
+              <a:t>function </a:t>
+            </a:r>
+            <a:r>
+              <a:rPr lang="en-US" dirty="0" err="1"/>
+              <a:t>decreaseMana</a:t>
+            </a:r>
+            <a:r>
+              <a:rPr lang="en-US" dirty="0"/>
+              <a:t>($mana){</a:t>
+            </a:r>
+          </a:p>
+          <a:p>
+            <a:pPr>
+              <a:spcBef>
+                <a:spcPts val="0"/>
+              </a:spcBef>
+            </a:pPr>
+            <a:r>
+              <a:rPr lang="en-US" dirty="0"/>
+              <a:t>	</a:t>
+            </a:r>
+            <a:r>
+              <a:rPr lang="en-US" dirty="0" smtClean="0"/>
+              <a:t>$</a:t>
+            </a:r>
+            <a:r>
+              <a:rPr lang="en-US" dirty="0"/>
+              <a:t>this-&gt;mana -= $mana;</a:t>
+            </a:r>
+          </a:p>
+          <a:p>
+            <a:pPr>
+              <a:spcBef>
+                <a:spcPts val="0"/>
+              </a:spcBef>
+            </a:pPr>
+            <a:r>
+              <a:rPr lang="en-US" dirty="0" smtClean="0"/>
+              <a:t>}}</a:t>
+            </a:r>
+            <a:endParaRPr lang="en-US" dirty="0" smtClean="0"/>
           </a:p>
         </p:txBody>
       </p:sp>
+      <p:pic>
+        <p:nvPicPr>
+          <p:cNvPr id="3" name="Picture 2"/>
+          <p:cNvPicPr>
+            <a:picLocks noChangeAspect="1"/>
+          </p:cNvPicPr>
+          <p:nvPr/>
+        </p:nvPicPr>
+        <p:blipFill>
+          <a:blip r:embed="rId2"/>
+          <a:stretch>
+            <a:fillRect/>
+          </a:stretch>
+        </p:blipFill>
+        <p:spPr>
+          <a:xfrm>
+            <a:off x="721216" y="2249486"/>
+            <a:ext cx="4443212" cy="4443212"/>
+          </a:xfrm>
+          <a:prstGeom prst="rect">
+            <a:avLst/>
+          </a:prstGeom>
+        </p:spPr>
+      </p:pic>
     </p:spTree>
     <p:extLst>
       <p:ext uri="{BB962C8B-B14F-4D97-AF65-F5344CB8AC3E}">
-        <p14:creationId xmlns:p14="http://schemas.microsoft.com/office/powerpoint/2010/main" val="3313266926"/>
+        <p14:creationId xmlns:p14="http://schemas.microsoft.com/office/powerpoint/2010/main" val="2402814043"/>
       </p:ext>
     </p:extLst>
   </p:cSld>
   <p:clrMapOvr>
     <a:masterClrMapping/>
   </p:clrMapOvr>
+  <p:timing>
+    <p:tnLst>
+      <p:par>
+        <p:cTn id="1" dur="indefinite" restart="never" nodeType="tmRoot"/>
+      </p:par>
+    </p:tnLst>
+  </p:timing>
 </p:sld>
 </file>
 
@@ -12910,30 +14888,23 @@
             <p:ph type="title"/>
           </p:nvPr>
         </p:nvSpPr>
-        <p:spPr/>
+        <p:spPr>
+          <a:xfrm>
+            <a:off x="1262127" y="588133"/>
+            <a:ext cx="3206841" cy="601015"/>
+          </a:xfrm>
+        </p:spPr>
         <p:txBody>
           <a:bodyPr/>
           <a:lstStyle/>
           <a:p>
             <a:r>
-              <a:rPr lang="en-US" dirty="0" err="1" smtClean="0"/>
-              <a:t>Boss.php</a:t>
+              <a:rPr lang="en-US" dirty="0" smtClean="0"/>
+              <a:t>Stage_style.css</a:t>
             </a:r>
             <a:endParaRPr lang="en-US" dirty="0"/>
           </a:p>
         </p:txBody>
-      </p:sp>
-      <p:sp>
-        <p:nvSpPr>
-          <p:cNvPr id="3" name="Picture Placeholder 2"/>
-          <p:cNvSpPr>
-            <a:spLocks noGrp="1"/>
-          </p:cNvSpPr>
-          <p:nvPr>
-            <p:ph type="pic" idx="1"/>
-          </p:nvPr>
-        </p:nvSpPr>
-        <p:spPr/>
       </p:sp>
       <p:sp>
         <p:nvSpPr>
@@ -12945,25 +14916,44 @@
             <p:ph type="body" sz="half" idx="2"/>
           </p:nvPr>
         </p:nvSpPr>
-        <p:spPr/>
+        <p:spPr>
+          <a:xfrm>
+            <a:off x="6426558" y="609599"/>
+            <a:ext cx="5272880" cy="5842715"/>
+          </a:xfrm>
+        </p:spPr>
         <p:txBody>
-          <a:bodyPr/>
+          <a:bodyPr>
+            <a:normAutofit/>
+          </a:bodyPr>
           <a:lstStyle/>
           <a:p>
-            <a:endParaRPr lang="en-US"/>
+            <a:pPr>
+              <a:spcBef>
+                <a:spcPts val="0"/>
+              </a:spcBef>
+            </a:pPr>
+            <a:endParaRPr lang="en-US" dirty="0" smtClean="0"/>
           </a:p>
         </p:txBody>
       </p:sp>
     </p:spTree>
     <p:extLst>
       <p:ext uri="{BB962C8B-B14F-4D97-AF65-F5344CB8AC3E}">
-        <p14:creationId xmlns:p14="http://schemas.microsoft.com/office/powerpoint/2010/main" val="2904561046"/>
+        <p14:creationId xmlns:p14="http://schemas.microsoft.com/office/powerpoint/2010/main" val="4148528313"/>
       </p:ext>
     </p:extLst>
   </p:cSld>
   <p:clrMapOvr>
     <a:masterClrMapping/>
   </p:clrMapOvr>
+  <p:timing>
+    <p:tnLst>
+      <p:par>
+        <p:cTn id="1" dur="indefinite" restart="never" nodeType="tmRoot"/>
+      </p:par>
+    </p:tnLst>
+  </p:timing>
 </p:sld>
 </file>
 
@@ -13000,54 +14990,34 @@
           <a:lstStyle/>
           <a:p>
             <a:r>
-              <a:rPr lang="en-US" smtClean="0"/>
-              <a:t>Stage_style.css</a:t>
-            </a:r>
-            <a:endParaRPr lang="en-US"/>
-          </a:p>
-        </p:txBody>
-      </p:sp>
-      <p:sp>
-        <p:nvSpPr>
-          <p:cNvPr id="3" name="Picture Placeholder 2"/>
-          <p:cNvSpPr>
-            <a:spLocks noGrp="1"/>
-          </p:cNvSpPr>
-          <p:nvPr>
-            <p:ph type="pic" idx="1"/>
-          </p:nvPr>
-        </p:nvSpPr>
-        <p:spPr/>
-      </p:sp>
-      <p:sp>
-        <p:nvSpPr>
-          <p:cNvPr id="4" name="Text Placeholder 3"/>
-          <p:cNvSpPr>
-            <a:spLocks noGrp="1"/>
-          </p:cNvSpPr>
-          <p:nvPr>
-            <p:ph type="body" sz="half" idx="2"/>
-          </p:nvPr>
-        </p:nvSpPr>
-        <p:spPr/>
-        <p:txBody>
-          <a:bodyPr/>
-          <a:lstStyle/>
-          <a:p>
-            <a:endParaRPr lang="en-US"/>
+              <a:rPr lang="en-US" dirty="0" smtClean="0"/>
+              <a:t>Thank </a:t>
+            </a:r>
+            <a:r>
+              <a:rPr lang="en-US" dirty="0" err="1" smtClean="0"/>
+              <a:t>YOu</a:t>
+            </a:r>
+            <a:endParaRPr lang="en-US" dirty="0"/>
           </a:p>
         </p:txBody>
       </p:sp>
     </p:spTree>
     <p:extLst>
       <p:ext uri="{BB962C8B-B14F-4D97-AF65-F5344CB8AC3E}">
-        <p14:creationId xmlns:p14="http://schemas.microsoft.com/office/powerpoint/2010/main" val="3289642192"/>
+        <p14:creationId xmlns:p14="http://schemas.microsoft.com/office/powerpoint/2010/main" val="2204391248"/>
       </p:ext>
     </p:extLst>
   </p:cSld>
   <p:clrMapOvr>
     <a:masterClrMapping/>
   </p:clrMapOvr>
+  <p:timing>
+    <p:tnLst>
+      <p:par>
+        <p:cTn id="1" dur="indefinite" restart="never" nodeType="tmRoot"/>
+      </p:par>
+    </p:tnLst>
+  </p:timing>
 </p:sld>
 </file>
 

--- a/BossMonster.pptx
+++ b/BossMonster.pptx
@@ -168,7 +168,7 @@
           <a:noFill/>
           <a:extLst>
             <a:ext uri="{909E8E84-426E-40dd-AFC4-6F175D3DCCD1}">
-              <a14:hiddenFill xmlns="" xmlns:a14="http://schemas.microsoft.com/office/drawing/2010/main">
+              <a14:hiddenFill xmlns:a14="http://schemas.microsoft.com/office/drawing/2010/main" xmlns="">
                 <a:solidFill>
                   <a:srgbClr val="FFFFFF"/>
                 </a:solidFill>
@@ -228,7 +228,7 @@
             </a:ln>
             <a:extLst>
               <a:ext uri="{91240B29-F687-4f45-9708-019B960494DF}">
-                <a14:hiddenLine xmlns="" xmlns:a14="http://schemas.microsoft.com/office/drawing/2010/main" w="9525">
+                <a14:hiddenLine xmlns:a14="http://schemas.microsoft.com/office/drawing/2010/main" xmlns="" w="9525">
                   <a:solidFill>
                     <a:srgbClr val="000000"/>
                   </a:solidFill>
@@ -318,7 +318,7 @@
             </a:ln>
             <a:extLst>
               <a:ext uri="{91240B29-F687-4f45-9708-019B960494DF}">
-                <a14:hiddenLine xmlns="" xmlns:a14="http://schemas.microsoft.com/office/drawing/2010/main" w="9525">
+                <a14:hiddenLine xmlns:a14="http://schemas.microsoft.com/office/drawing/2010/main" xmlns="" w="9525">
                   <a:solidFill>
                     <a:srgbClr val="000000"/>
                   </a:solidFill>
@@ -408,7 +408,7 @@
             </a:ln>
             <a:extLst>
               <a:ext uri="{91240B29-F687-4f45-9708-019B960494DF}">
-                <a14:hiddenLine xmlns="" xmlns:a14="http://schemas.microsoft.com/office/drawing/2010/main" w="9525">
+                <a14:hiddenLine xmlns:a14="http://schemas.microsoft.com/office/drawing/2010/main" xmlns="" w="9525">
                   <a:solidFill>
                     <a:srgbClr val="000000"/>
                   </a:solidFill>
@@ -442,7 +442,7 @@
             </a:ln>
             <a:extLst>
               <a:ext uri="{91240B29-F687-4f45-9708-019B960494DF}">
-                <a14:hiddenLine xmlns="" xmlns:a14="http://schemas.microsoft.com/office/drawing/2010/main" w="9525">
+                <a14:hiddenLine xmlns:a14="http://schemas.microsoft.com/office/drawing/2010/main" xmlns="" w="9525">
                   <a:solidFill>
                     <a:srgbClr val="000000"/>
                   </a:solidFill>
@@ -532,7 +532,7 @@
             </a:ln>
             <a:extLst>
               <a:ext uri="{91240B29-F687-4f45-9708-019B960494DF}">
-                <a14:hiddenLine xmlns="" xmlns:a14="http://schemas.microsoft.com/office/drawing/2010/main" w="9525">
+                <a14:hiddenLine xmlns:a14="http://schemas.microsoft.com/office/drawing/2010/main" xmlns="" w="9525">
                   <a:solidFill>
                     <a:srgbClr val="000000"/>
                   </a:solidFill>
@@ -594,7 +594,7 @@
             </a:ln>
             <a:extLst>
               <a:ext uri="{91240B29-F687-4f45-9708-019B960494DF}">
-                <a14:hiddenLine xmlns="" xmlns:a14="http://schemas.microsoft.com/office/drawing/2010/main" w="9525">
+                <a14:hiddenLine xmlns:a14="http://schemas.microsoft.com/office/drawing/2010/main" xmlns="" w="9525">
                   <a:solidFill>
                     <a:srgbClr val="000000"/>
                   </a:solidFill>
@@ -656,7 +656,7 @@
             </a:ln>
             <a:extLst>
               <a:ext uri="{91240B29-F687-4f45-9708-019B960494DF}">
-                <a14:hiddenLine xmlns="" xmlns:a14="http://schemas.microsoft.com/office/drawing/2010/main" w="9525">
+                <a14:hiddenLine xmlns:a14="http://schemas.microsoft.com/office/drawing/2010/main" xmlns="" w="9525">
                   <a:solidFill>
                     <a:srgbClr val="000000"/>
                   </a:solidFill>
@@ -746,7 +746,7 @@
             </a:ln>
             <a:extLst>
               <a:ext uri="{91240B29-F687-4f45-9708-019B960494DF}">
-                <a14:hiddenLine xmlns="" xmlns:a14="http://schemas.microsoft.com/office/drawing/2010/main" w="9525">
+                <a14:hiddenLine xmlns:a14="http://schemas.microsoft.com/office/drawing/2010/main" xmlns="" w="9525">
                   <a:solidFill>
                     <a:srgbClr val="000000"/>
                   </a:solidFill>
@@ -808,7 +808,7 @@
             </a:ln>
             <a:extLst>
               <a:ext uri="{91240B29-F687-4f45-9708-019B960494DF}">
-                <a14:hiddenLine xmlns="" xmlns:a14="http://schemas.microsoft.com/office/drawing/2010/main" w="9525">
+                <a14:hiddenLine xmlns:a14="http://schemas.microsoft.com/office/drawing/2010/main" xmlns="" w="9525">
                   <a:solidFill>
                     <a:srgbClr val="000000"/>
                   </a:solidFill>
@@ -870,7 +870,7 @@
             </a:ln>
             <a:extLst>
               <a:ext uri="{91240B29-F687-4f45-9708-019B960494DF}">
-                <a14:hiddenLine xmlns="" xmlns:a14="http://schemas.microsoft.com/office/drawing/2010/main" w="9525">
+                <a14:hiddenLine xmlns:a14="http://schemas.microsoft.com/office/drawing/2010/main" xmlns="" w="9525">
                   <a:solidFill>
                     <a:srgbClr val="000000"/>
                   </a:solidFill>
@@ -960,7 +960,7 @@
             </a:ln>
             <a:extLst>
               <a:ext uri="{91240B29-F687-4f45-9708-019B960494DF}">
-                <a14:hiddenLine xmlns="" xmlns:a14="http://schemas.microsoft.com/office/drawing/2010/main" w="9525">
+                <a14:hiddenLine xmlns:a14="http://schemas.microsoft.com/office/drawing/2010/main" xmlns="" w="9525">
                   <a:solidFill>
                     <a:srgbClr val="000000"/>
                   </a:solidFill>
@@ -1050,7 +1050,7 @@
             </a:ln>
             <a:extLst>
               <a:ext uri="{91240B29-F687-4f45-9708-019B960494DF}">
-                <a14:hiddenLine xmlns="" xmlns:a14="http://schemas.microsoft.com/office/drawing/2010/main" w="9525">
+                <a14:hiddenLine xmlns:a14="http://schemas.microsoft.com/office/drawing/2010/main" xmlns="" w="9525">
                   <a:solidFill>
                     <a:srgbClr val="000000"/>
                   </a:solidFill>
@@ -1112,7 +1112,7 @@
             </a:ln>
             <a:extLst>
               <a:ext uri="{91240B29-F687-4f45-9708-019B960494DF}">
-                <a14:hiddenLine xmlns="" xmlns:a14="http://schemas.microsoft.com/office/drawing/2010/main" w="9525">
+                <a14:hiddenLine xmlns:a14="http://schemas.microsoft.com/office/drawing/2010/main" xmlns="" w="9525">
                   <a:solidFill>
                     <a:srgbClr val="000000"/>
                   </a:solidFill>
@@ -1222,7 +1222,7 @@
             </a:ln>
             <a:extLst>
               <a:ext uri="{91240B29-F687-4f45-9708-019B960494DF}">
-                <a14:hiddenLine xmlns="" xmlns:a14="http://schemas.microsoft.com/office/drawing/2010/main" w="9525">
+                <a14:hiddenLine xmlns:a14="http://schemas.microsoft.com/office/drawing/2010/main" xmlns="" w="9525">
                   <a:solidFill>
                     <a:srgbClr val="000000"/>
                   </a:solidFill>
@@ -1284,7 +1284,7 @@
             </a:ln>
             <a:extLst>
               <a:ext uri="{91240B29-F687-4f45-9708-019B960494DF}">
-                <a14:hiddenLine xmlns="" xmlns:a14="http://schemas.microsoft.com/office/drawing/2010/main" w="9525">
+                <a14:hiddenLine xmlns:a14="http://schemas.microsoft.com/office/drawing/2010/main" xmlns="" w="9525">
                   <a:solidFill>
                     <a:srgbClr val="000000"/>
                   </a:solidFill>
@@ -1374,7 +1374,7 @@
             </a:ln>
             <a:extLst>
               <a:ext uri="{91240B29-F687-4f45-9708-019B960494DF}">
-                <a14:hiddenLine xmlns="" xmlns:a14="http://schemas.microsoft.com/office/drawing/2010/main" w="9525">
+                <a14:hiddenLine xmlns:a14="http://schemas.microsoft.com/office/drawing/2010/main" xmlns="" w="9525">
                   <a:solidFill>
                     <a:srgbClr val="000000"/>
                   </a:solidFill>
@@ -1464,7 +1464,7 @@
             </a:ln>
             <a:extLst>
               <a:ext uri="{91240B29-F687-4f45-9708-019B960494DF}">
-                <a14:hiddenLine xmlns="" xmlns:a14="http://schemas.microsoft.com/office/drawing/2010/main" w="9525">
+                <a14:hiddenLine xmlns:a14="http://schemas.microsoft.com/office/drawing/2010/main" xmlns="" w="9525">
                   <a:solidFill>
                     <a:srgbClr val="000000"/>
                   </a:solidFill>
@@ -1526,7 +1526,7 @@
             </a:ln>
             <a:extLst>
               <a:ext uri="{91240B29-F687-4f45-9708-019B960494DF}">
-                <a14:hiddenLine xmlns="" xmlns:a14="http://schemas.microsoft.com/office/drawing/2010/main" w="9525">
+                <a14:hiddenLine xmlns:a14="http://schemas.microsoft.com/office/drawing/2010/main" xmlns="" w="9525">
                   <a:solidFill>
                     <a:srgbClr val="000000"/>
                   </a:solidFill>
@@ -1616,7 +1616,7 @@
             </a:ln>
             <a:extLst>
               <a:ext uri="{91240B29-F687-4f45-9708-019B960494DF}">
-                <a14:hiddenLine xmlns="" xmlns:a14="http://schemas.microsoft.com/office/drawing/2010/main" w="9525">
+                <a14:hiddenLine xmlns:a14="http://schemas.microsoft.com/office/drawing/2010/main" xmlns="" w="9525">
                   <a:solidFill>
                     <a:srgbClr val="000000"/>
                   </a:solidFill>
@@ -1706,7 +1706,7 @@
             </a:ln>
             <a:extLst>
               <a:ext uri="{91240B29-F687-4f45-9708-019B960494DF}">
-                <a14:hiddenLine xmlns="" xmlns:a14="http://schemas.microsoft.com/office/drawing/2010/main" w="9525">
+                <a14:hiddenLine xmlns:a14="http://schemas.microsoft.com/office/drawing/2010/main" xmlns="" w="9525">
                   <a:solidFill>
                     <a:srgbClr val="000000"/>
                   </a:solidFill>
@@ -1762,7 +1762,7 @@
             </a:ln>
             <a:extLst>
               <a:ext uri="{91240B29-F687-4f45-9708-019B960494DF}">
-                <a14:hiddenLine xmlns="" xmlns:a14="http://schemas.microsoft.com/office/drawing/2010/main" w="9525">
+                <a14:hiddenLine xmlns:a14="http://schemas.microsoft.com/office/drawing/2010/main" xmlns="" w="9525">
                   <a:solidFill>
                     <a:srgbClr val="000000"/>
                   </a:solidFill>
@@ -1852,7 +1852,7 @@
             </a:ln>
             <a:extLst>
               <a:ext uri="{91240B29-F687-4f45-9708-019B960494DF}">
-                <a14:hiddenLine xmlns="" xmlns:a14="http://schemas.microsoft.com/office/drawing/2010/main" w="9525">
+                <a14:hiddenLine xmlns:a14="http://schemas.microsoft.com/office/drawing/2010/main" xmlns="" w="9525">
                   <a:solidFill>
                     <a:srgbClr val="000000"/>
                   </a:solidFill>
@@ -1908,7 +1908,7 @@
             </a:ln>
             <a:extLst>
               <a:ext uri="{91240B29-F687-4f45-9708-019B960494DF}">
-                <a14:hiddenLine xmlns="" xmlns:a14="http://schemas.microsoft.com/office/drawing/2010/main" w="9525">
+                <a14:hiddenLine xmlns:a14="http://schemas.microsoft.com/office/drawing/2010/main" xmlns="" w="9525">
                   <a:solidFill>
                     <a:srgbClr val="000000"/>
                   </a:solidFill>
@@ -1998,7 +1998,7 @@
             </a:ln>
             <a:extLst>
               <a:ext uri="{91240B29-F687-4f45-9708-019B960494DF}">
-                <a14:hiddenLine xmlns="" xmlns:a14="http://schemas.microsoft.com/office/drawing/2010/main" w="9525">
+                <a14:hiddenLine xmlns:a14="http://schemas.microsoft.com/office/drawing/2010/main" xmlns="" w="9525">
                   <a:solidFill>
                     <a:srgbClr val="000000"/>
                   </a:solidFill>
@@ -2066,7 +2066,7 @@
             </a:ln>
             <a:extLst>
               <a:ext uri="{91240B29-F687-4f45-9708-019B960494DF}">
-                <a14:hiddenLine xmlns="" xmlns:a14="http://schemas.microsoft.com/office/drawing/2010/main" w="9525">
+                <a14:hiddenLine xmlns:a14="http://schemas.microsoft.com/office/drawing/2010/main" xmlns="" w="9525">
                   <a:solidFill>
                     <a:srgbClr val="000000"/>
                   </a:solidFill>
@@ -2156,7 +2156,7 @@
             </a:ln>
             <a:extLst>
               <a:ext uri="{91240B29-F687-4f45-9708-019B960494DF}">
-                <a14:hiddenLine xmlns="" xmlns:a14="http://schemas.microsoft.com/office/drawing/2010/main" w="9525">
+                <a14:hiddenLine xmlns:a14="http://schemas.microsoft.com/office/drawing/2010/main" xmlns="" w="9525">
                   <a:solidFill>
                     <a:srgbClr val="000000"/>
                   </a:solidFill>
@@ -2224,7 +2224,7 @@
             </a:ln>
             <a:extLst>
               <a:ext uri="{91240B29-F687-4f45-9708-019B960494DF}">
-                <a14:hiddenLine xmlns="" xmlns:a14="http://schemas.microsoft.com/office/drawing/2010/main" w="9525">
+                <a14:hiddenLine xmlns:a14="http://schemas.microsoft.com/office/drawing/2010/main" xmlns="" w="9525">
                   <a:solidFill>
                     <a:srgbClr val="000000"/>
                   </a:solidFill>
@@ -2314,7 +2314,7 @@
             </a:ln>
             <a:extLst>
               <a:ext uri="{91240B29-F687-4f45-9708-019B960494DF}">
-                <a14:hiddenLine xmlns="" xmlns:a14="http://schemas.microsoft.com/office/drawing/2010/main" w="9525">
+                <a14:hiddenLine xmlns:a14="http://schemas.microsoft.com/office/drawing/2010/main" xmlns="" w="9525">
                   <a:solidFill>
                     <a:srgbClr val="000000"/>
                   </a:solidFill>
@@ -2348,7 +2348,7 @@
             </a:ln>
             <a:extLst>
               <a:ext uri="{91240B29-F687-4f45-9708-019B960494DF}">
-                <a14:hiddenLine xmlns="" xmlns:a14="http://schemas.microsoft.com/office/drawing/2010/main" w="9525">
+                <a14:hiddenLine xmlns:a14="http://schemas.microsoft.com/office/drawing/2010/main" xmlns="" w="9525">
                   <a:solidFill>
                     <a:srgbClr val="000000"/>
                   </a:solidFill>
@@ -2438,7 +2438,7 @@
             </a:ln>
             <a:extLst>
               <a:ext uri="{91240B29-F687-4f45-9708-019B960494DF}">
-                <a14:hiddenLine xmlns="" xmlns:a14="http://schemas.microsoft.com/office/drawing/2010/main" w="9525">
+                <a14:hiddenLine xmlns:a14="http://schemas.microsoft.com/office/drawing/2010/main" xmlns="" w="9525">
                   <a:solidFill>
                     <a:srgbClr val="000000"/>
                   </a:solidFill>
@@ -2500,7 +2500,7 @@
             </a:ln>
             <a:extLst>
               <a:ext uri="{91240B29-F687-4f45-9708-019B960494DF}">
-                <a14:hiddenLine xmlns="" xmlns:a14="http://schemas.microsoft.com/office/drawing/2010/main" w="9525">
+                <a14:hiddenLine xmlns:a14="http://schemas.microsoft.com/office/drawing/2010/main" xmlns="" w="9525">
                   <a:solidFill>
                     <a:srgbClr val="000000"/>
                   </a:solidFill>
@@ -2562,7 +2562,7 @@
             </a:ln>
             <a:extLst>
               <a:ext uri="{91240B29-F687-4f45-9708-019B960494DF}">
-                <a14:hiddenLine xmlns="" xmlns:a14="http://schemas.microsoft.com/office/drawing/2010/main" w="9525">
+                <a14:hiddenLine xmlns:a14="http://schemas.microsoft.com/office/drawing/2010/main" xmlns="" w="9525">
                   <a:solidFill>
                     <a:srgbClr val="000000"/>
                   </a:solidFill>
@@ -2652,7 +2652,7 @@
             </a:ln>
             <a:extLst>
               <a:ext uri="{91240B29-F687-4f45-9708-019B960494DF}">
-                <a14:hiddenLine xmlns="" xmlns:a14="http://schemas.microsoft.com/office/drawing/2010/main" w="9525">
+                <a14:hiddenLine xmlns:a14="http://schemas.microsoft.com/office/drawing/2010/main" xmlns="" w="9525">
                   <a:solidFill>
                     <a:srgbClr val="000000"/>
                   </a:solidFill>
@@ -2720,7 +2720,7 @@
             </a:ln>
             <a:extLst>
               <a:ext uri="{91240B29-F687-4f45-9708-019B960494DF}">
-                <a14:hiddenLine xmlns="" xmlns:a14="http://schemas.microsoft.com/office/drawing/2010/main" w="9525">
+                <a14:hiddenLine xmlns:a14="http://schemas.microsoft.com/office/drawing/2010/main" xmlns="" w="9525">
                   <a:solidFill>
                     <a:srgbClr val="000000"/>
                   </a:solidFill>
@@ -2782,7 +2782,7 @@
             </a:ln>
             <a:extLst>
               <a:ext uri="{91240B29-F687-4f45-9708-019B960494DF}">
-                <a14:hiddenLine xmlns="" xmlns:a14="http://schemas.microsoft.com/office/drawing/2010/main" w="9525">
+                <a14:hiddenLine xmlns:a14="http://schemas.microsoft.com/office/drawing/2010/main" xmlns="" w="9525">
                   <a:solidFill>
                     <a:srgbClr val="000000"/>
                   </a:solidFill>
@@ -2872,7 +2872,7 @@
             </a:ln>
             <a:extLst>
               <a:ext uri="{91240B29-F687-4f45-9708-019B960494DF}">
-                <a14:hiddenLine xmlns="" xmlns:a14="http://schemas.microsoft.com/office/drawing/2010/main" w="9525">
+                <a14:hiddenLine xmlns:a14="http://schemas.microsoft.com/office/drawing/2010/main" xmlns="" w="9525">
                   <a:solidFill>
                     <a:srgbClr val="000000"/>
                   </a:solidFill>
@@ -2934,7 +2934,7 @@
             </a:ln>
             <a:extLst>
               <a:ext uri="{91240B29-F687-4f45-9708-019B960494DF}">
-                <a14:hiddenLine xmlns="" xmlns:a14="http://schemas.microsoft.com/office/drawing/2010/main" w="9525">
+                <a14:hiddenLine xmlns:a14="http://schemas.microsoft.com/office/drawing/2010/main" xmlns="" w="9525">
                   <a:solidFill>
                     <a:srgbClr val="000000"/>
                   </a:solidFill>
@@ -3024,7 +3024,7 @@
             </a:ln>
             <a:extLst>
               <a:ext uri="{91240B29-F687-4f45-9708-019B960494DF}">
-                <a14:hiddenLine xmlns="" xmlns:a14="http://schemas.microsoft.com/office/drawing/2010/main" w="9525">
+                <a14:hiddenLine xmlns:a14="http://schemas.microsoft.com/office/drawing/2010/main" xmlns="" w="9525">
                   <a:solidFill>
                     <a:srgbClr val="000000"/>
                   </a:solidFill>
@@ -3086,7 +3086,7 @@
             </a:ln>
             <a:extLst>
               <a:ext uri="{91240B29-F687-4f45-9708-019B960494DF}">
-                <a14:hiddenLine xmlns="" xmlns:a14="http://schemas.microsoft.com/office/drawing/2010/main" w="9525">
+                <a14:hiddenLine xmlns:a14="http://schemas.microsoft.com/office/drawing/2010/main" xmlns="" w="9525">
                   <a:solidFill>
                     <a:srgbClr val="000000"/>
                   </a:solidFill>
@@ -3176,7 +3176,7 @@
             </a:ln>
             <a:extLst>
               <a:ext uri="{91240B29-F687-4f45-9708-019B960494DF}">
-                <a14:hiddenLine xmlns="" xmlns:a14="http://schemas.microsoft.com/office/drawing/2010/main" w="9525">
+                <a14:hiddenLine xmlns:a14="http://schemas.microsoft.com/office/drawing/2010/main" xmlns="" w="9525">
                   <a:solidFill>
                     <a:srgbClr val="000000"/>
                   </a:solidFill>
@@ -3210,7 +3210,7 @@
             </a:ln>
             <a:extLst>
               <a:ext uri="{91240B29-F687-4f45-9708-019B960494DF}">
-                <a14:hiddenLine xmlns="" xmlns:a14="http://schemas.microsoft.com/office/drawing/2010/main" w="9525">
+                <a14:hiddenLine xmlns:a14="http://schemas.microsoft.com/office/drawing/2010/main" xmlns="" w="9525">
                   <a:solidFill>
                     <a:srgbClr val="000000"/>
                   </a:solidFill>
@@ -3275,7 +3275,7 @@
             </a:ln>
             <a:extLst>
               <a:ext uri="{91240B29-F687-4f45-9708-019B960494DF}">
-                <a14:hiddenLine xmlns="" xmlns:a14="http://schemas.microsoft.com/office/drawing/2010/main" w="9525">
+                <a14:hiddenLine xmlns:a14="http://schemas.microsoft.com/office/drawing/2010/main" xmlns="" w="9525">
                   <a:solidFill>
                     <a:srgbClr val="000000"/>
                   </a:solidFill>
@@ -3365,7 +3365,7 @@
             </a:ln>
             <a:extLst>
               <a:ext uri="{91240B29-F687-4f45-9708-019B960494DF}">
-                <a14:hiddenLine xmlns="" xmlns:a14="http://schemas.microsoft.com/office/drawing/2010/main" w="9525">
+                <a14:hiddenLine xmlns:a14="http://schemas.microsoft.com/office/drawing/2010/main" xmlns="" w="9525">
                   <a:solidFill>
                     <a:srgbClr val="000000"/>
                   </a:solidFill>
@@ -3427,7 +3427,7 @@
             </a:ln>
             <a:extLst>
               <a:ext uri="{91240B29-F687-4f45-9708-019B960494DF}">
-                <a14:hiddenLine xmlns="" xmlns:a14="http://schemas.microsoft.com/office/drawing/2010/main" w="9525">
+                <a14:hiddenLine xmlns:a14="http://schemas.microsoft.com/office/drawing/2010/main" xmlns="" w="9525">
                   <a:solidFill>
                     <a:srgbClr val="000000"/>
                   </a:solidFill>
@@ -3517,7 +3517,7 @@
             </a:ln>
             <a:extLst>
               <a:ext uri="{91240B29-F687-4f45-9708-019B960494DF}">
-                <a14:hiddenLine xmlns="" xmlns:a14="http://schemas.microsoft.com/office/drawing/2010/main" w="9525">
+                <a14:hiddenLine xmlns:a14="http://schemas.microsoft.com/office/drawing/2010/main" xmlns="" w="9525">
                   <a:solidFill>
                     <a:srgbClr val="000000"/>
                   </a:solidFill>
@@ -3607,7 +3607,7 @@
             </a:ln>
             <a:extLst>
               <a:ext uri="{91240B29-F687-4f45-9708-019B960494DF}">
-                <a14:hiddenLine xmlns="" xmlns:a14="http://schemas.microsoft.com/office/drawing/2010/main" w="9525">
+                <a14:hiddenLine xmlns:a14="http://schemas.microsoft.com/office/drawing/2010/main" xmlns="" w="9525">
                   <a:solidFill>
                     <a:srgbClr val="000000"/>
                   </a:solidFill>
@@ -3672,7 +3672,7 @@
             </a:ln>
             <a:extLst>
               <a:ext uri="{91240B29-F687-4f45-9708-019B960494DF}">
-                <a14:hiddenLine xmlns="" xmlns:a14="http://schemas.microsoft.com/office/drawing/2010/main" w="9525">
+                <a14:hiddenLine xmlns:a14="http://schemas.microsoft.com/office/drawing/2010/main" xmlns="" w="9525">
                   <a:solidFill>
                     <a:srgbClr val="000000"/>
                   </a:solidFill>
@@ -3734,7 +3734,7 @@
             </a:ln>
             <a:extLst>
               <a:ext uri="{91240B29-F687-4f45-9708-019B960494DF}">
-                <a14:hiddenLine xmlns="" xmlns:a14="http://schemas.microsoft.com/office/drawing/2010/main" w="9525">
+                <a14:hiddenLine xmlns:a14="http://schemas.microsoft.com/office/drawing/2010/main" xmlns="" w="9525">
                   <a:solidFill>
                     <a:srgbClr val="000000"/>
                   </a:solidFill>
@@ -3824,7 +3824,7 @@
             </a:ln>
             <a:extLst>
               <a:ext uri="{91240B29-F687-4f45-9708-019B960494DF}">
-                <a14:hiddenLine xmlns="" xmlns:a14="http://schemas.microsoft.com/office/drawing/2010/main" w="9525">
+                <a14:hiddenLine xmlns:a14="http://schemas.microsoft.com/office/drawing/2010/main" xmlns="" w="9525">
                   <a:solidFill>
                     <a:srgbClr val="000000"/>
                   </a:solidFill>
@@ -3914,7 +3914,7 @@
             </a:ln>
             <a:extLst>
               <a:ext uri="{91240B29-F687-4f45-9708-019B960494DF}">
-                <a14:hiddenLine xmlns="" xmlns:a14="http://schemas.microsoft.com/office/drawing/2010/main" w="9525">
+                <a14:hiddenLine xmlns:a14="http://schemas.microsoft.com/office/drawing/2010/main" xmlns="" w="9525">
                   <a:solidFill>
                     <a:srgbClr val="000000"/>
                   </a:solidFill>
@@ -3976,7 +3976,7 @@
             </a:ln>
             <a:extLst>
               <a:ext uri="{91240B29-F687-4f45-9708-019B960494DF}">
-                <a14:hiddenLine xmlns="" xmlns:a14="http://schemas.microsoft.com/office/drawing/2010/main" w="9525">
+                <a14:hiddenLine xmlns:a14="http://schemas.microsoft.com/office/drawing/2010/main" xmlns="" w="9525">
                   <a:solidFill>
                     <a:srgbClr val="000000"/>
                   </a:solidFill>
@@ -4096,7 +4096,7 @@
             </a:ln>
             <a:extLst>
               <a:ext uri="{91240B29-F687-4f45-9708-019B960494DF}">
-                <a14:hiddenLine xmlns="" xmlns:a14="http://schemas.microsoft.com/office/drawing/2010/main" w="9525">
+                <a14:hiddenLine xmlns:a14="http://schemas.microsoft.com/office/drawing/2010/main" xmlns="" w="9525">
                   <a:solidFill>
                     <a:srgbClr val="000000"/>
                   </a:solidFill>
@@ -4164,7 +4164,7 @@
             </a:ln>
             <a:extLst>
               <a:ext uri="{91240B29-F687-4f45-9708-019B960494DF}">
-                <a14:hiddenLine xmlns="" xmlns:a14="http://schemas.microsoft.com/office/drawing/2010/main" w="9525">
+                <a14:hiddenLine xmlns:a14="http://schemas.microsoft.com/office/drawing/2010/main" xmlns="" w="9525">
                   <a:solidFill>
                     <a:srgbClr val="000000"/>
                   </a:solidFill>
@@ -4254,7 +4254,7 @@
             </a:ln>
             <a:extLst>
               <a:ext uri="{91240B29-F687-4f45-9708-019B960494DF}">
-                <a14:hiddenLine xmlns="" xmlns:a14="http://schemas.microsoft.com/office/drawing/2010/main" w="9525">
+                <a14:hiddenLine xmlns:a14="http://schemas.microsoft.com/office/drawing/2010/main" xmlns="" w="9525">
                   <a:solidFill>
                     <a:srgbClr val="000000"/>
                   </a:solidFill>
@@ -9061,7 +9061,7 @@
           <a:noFill/>
           <a:extLst>
             <a:ext uri="{909E8E84-426E-40dd-AFC4-6F175D3DCCD1}">
-              <a14:hiddenFill xmlns="" xmlns:a14="http://schemas.microsoft.com/office/drawing/2010/main">
+              <a14:hiddenFill xmlns:a14="http://schemas.microsoft.com/office/drawing/2010/main" xmlns="">
                 <a:solidFill>
                   <a:srgbClr val="FFFFFF"/>
                 </a:solidFill>
@@ -9135,7 +9135,7 @@
               </a:ln>
               <a:extLst>
                 <a:ext uri="{91240B29-F687-4f45-9708-019B960494DF}">
-                  <a14:hiddenLine xmlns="" xmlns:a14="http://schemas.microsoft.com/office/drawing/2010/main" w="9525">
+                  <a14:hiddenLine xmlns:a14="http://schemas.microsoft.com/office/drawing/2010/main" xmlns="" w="9525">
                     <a:solidFill>
                       <a:srgbClr val="000000"/>
                     </a:solidFill>
@@ -9225,7 +9225,7 @@
               </a:ln>
               <a:extLst>
                 <a:ext uri="{91240B29-F687-4f45-9708-019B960494DF}">
-                  <a14:hiddenLine xmlns="" xmlns:a14="http://schemas.microsoft.com/office/drawing/2010/main" w="9525">
+                  <a14:hiddenLine xmlns:a14="http://schemas.microsoft.com/office/drawing/2010/main" xmlns="" w="9525">
                     <a:solidFill>
                       <a:srgbClr val="000000"/>
                     </a:solidFill>
@@ -9315,7 +9315,7 @@
               </a:ln>
               <a:extLst>
                 <a:ext uri="{91240B29-F687-4f45-9708-019B960494DF}">
-                  <a14:hiddenLine xmlns="" xmlns:a14="http://schemas.microsoft.com/office/drawing/2010/main" w="9525">
+                  <a14:hiddenLine xmlns:a14="http://schemas.microsoft.com/office/drawing/2010/main" xmlns="" w="9525">
                     <a:solidFill>
                       <a:srgbClr val="000000"/>
                     </a:solidFill>
@@ -9377,7 +9377,7 @@
               </a:ln>
               <a:extLst>
                 <a:ext uri="{91240B29-F687-4f45-9708-019B960494DF}">
-                  <a14:hiddenLine xmlns="" xmlns:a14="http://schemas.microsoft.com/office/drawing/2010/main" w="9525">
+                  <a14:hiddenLine xmlns:a14="http://schemas.microsoft.com/office/drawing/2010/main" xmlns="" w="9525">
                     <a:solidFill>
                       <a:srgbClr val="000000"/>
                     </a:solidFill>
@@ -9467,7 +9467,7 @@
               </a:ln>
               <a:extLst>
                 <a:ext uri="{91240B29-F687-4f45-9708-019B960494DF}">
-                  <a14:hiddenLine xmlns="" xmlns:a14="http://schemas.microsoft.com/office/drawing/2010/main" w="9525">
+                  <a14:hiddenLine xmlns:a14="http://schemas.microsoft.com/office/drawing/2010/main" xmlns="" w="9525">
                     <a:solidFill>
                       <a:srgbClr val="000000"/>
                     </a:solidFill>
@@ -9529,7 +9529,7 @@
               </a:ln>
               <a:extLst>
                 <a:ext uri="{91240B29-F687-4f45-9708-019B960494DF}">
-                  <a14:hiddenLine xmlns="" xmlns:a14="http://schemas.microsoft.com/office/drawing/2010/main" w="9525">
+                  <a14:hiddenLine xmlns:a14="http://schemas.microsoft.com/office/drawing/2010/main" xmlns="" w="9525">
                     <a:solidFill>
                       <a:srgbClr val="000000"/>
                     </a:solidFill>
@@ -9591,7 +9591,7 @@
               </a:ln>
               <a:extLst>
                 <a:ext uri="{91240B29-F687-4f45-9708-019B960494DF}">
-                  <a14:hiddenLine xmlns="" xmlns:a14="http://schemas.microsoft.com/office/drawing/2010/main" w="9525">
+                  <a14:hiddenLine xmlns:a14="http://schemas.microsoft.com/office/drawing/2010/main" xmlns="" w="9525">
                     <a:solidFill>
                       <a:srgbClr val="000000"/>
                     </a:solidFill>
@@ -9681,7 +9681,7 @@
               </a:ln>
               <a:extLst>
                 <a:ext uri="{91240B29-F687-4f45-9708-019B960494DF}">
-                  <a14:hiddenLine xmlns="" xmlns:a14="http://schemas.microsoft.com/office/drawing/2010/main" w="9525">
+                  <a14:hiddenLine xmlns:a14="http://schemas.microsoft.com/office/drawing/2010/main" xmlns="" w="9525">
                     <a:solidFill>
                       <a:srgbClr val="000000"/>
                     </a:solidFill>
@@ -9771,7 +9771,7 @@
               </a:ln>
               <a:extLst>
                 <a:ext uri="{91240B29-F687-4f45-9708-019B960494DF}">
-                  <a14:hiddenLine xmlns="" xmlns:a14="http://schemas.microsoft.com/office/drawing/2010/main" w="9525">
+                  <a14:hiddenLine xmlns:a14="http://schemas.microsoft.com/office/drawing/2010/main" xmlns="" w="9525">
                     <a:solidFill>
                       <a:srgbClr val="000000"/>
                     </a:solidFill>
@@ -9833,7 +9833,7 @@
               </a:ln>
               <a:extLst>
                 <a:ext uri="{91240B29-F687-4f45-9708-019B960494DF}">
-                  <a14:hiddenLine xmlns="" xmlns:a14="http://schemas.microsoft.com/office/drawing/2010/main" w="9525">
+                  <a14:hiddenLine xmlns:a14="http://schemas.microsoft.com/office/drawing/2010/main" xmlns="" w="9525">
                     <a:solidFill>
                       <a:srgbClr val="000000"/>
                     </a:solidFill>
@@ -9943,7 +9943,7 @@
               </a:ln>
               <a:extLst>
                 <a:ext uri="{91240B29-F687-4f45-9708-019B960494DF}">
-                  <a14:hiddenLine xmlns="" xmlns:a14="http://schemas.microsoft.com/office/drawing/2010/main" w="9525">
+                  <a14:hiddenLine xmlns:a14="http://schemas.microsoft.com/office/drawing/2010/main" xmlns="" w="9525">
                     <a:solidFill>
                       <a:srgbClr val="000000"/>
                     </a:solidFill>
@@ -10027,7 +10027,7 @@
               </a:ln>
               <a:extLst>
                 <a:ext uri="{91240B29-F687-4f45-9708-019B960494DF}">
-                  <a14:hiddenLine xmlns="" xmlns:a14="http://schemas.microsoft.com/office/drawing/2010/main" w="9525">
+                  <a14:hiddenLine xmlns:a14="http://schemas.microsoft.com/office/drawing/2010/main" xmlns="" w="9525">
                     <a:solidFill>
                       <a:srgbClr val="000000"/>
                     </a:solidFill>
@@ -10089,7 +10089,7 @@
               </a:ln>
               <a:extLst>
                 <a:ext uri="{91240B29-F687-4f45-9708-019B960494DF}">
-                  <a14:hiddenLine xmlns="" xmlns:a14="http://schemas.microsoft.com/office/drawing/2010/main" w="9525">
+                  <a14:hiddenLine xmlns:a14="http://schemas.microsoft.com/office/drawing/2010/main" xmlns="" w="9525">
                     <a:solidFill>
                       <a:srgbClr val="000000"/>
                     </a:solidFill>
@@ -10151,7 +10151,7 @@
               </a:ln>
               <a:extLst>
                 <a:ext uri="{91240B29-F687-4f45-9708-019B960494DF}">
-                  <a14:hiddenLine xmlns="" xmlns:a14="http://schemas.microsoft.com/office/drawing/2010/main" w="9525">
+                  <a14:hiddenLine xmlns:a14="http://schemas.microsoft.com/office/drawing/2010/main" xmlns="" w="9525">
                     <a:solidFill>
                       <a:srgbClr val="000000"/>
                     </a:solidFill>
@@ -10241,7 +10241,7 @@
               </a:ln>
               <a:extLst>
                 <a:ext uri="{91240B29-F687-4f45-9708-019B960494DF}">
-                  <a14:hiddenLine xmlns="" xmlns:a14="http://schemas.microsoft.com/office/drawing/2010/main" w="9525">
+                  <a14:hiddenLine xmlns:a14="http://schemas.microsoft.com/office/drawing/2010/main" xmlns="" w="9525">
                     <a:solidFill>
                       <a:srgbClr val="000000"/>
                     </a:solidFill>
@@ -10275,7 +10275,7 @@
               </a:ln>
               <a:extLst>
                 <a:ext uri="{91240B29-F687-4f45-9708-019B960494DF}">
-                  <a14:hiddenLine xmlns="" xmlns:a14="http://schemas.microsoft.com/office/drawing/2010/main" w="9525">
+                  <a14:hiddenLine xmlns:a14="http://schemas.microsoft.com/office/drawing/2010/main" xmlns="" w="9525">
                     <a:solidFill>
                       <a:srgbClr val="000000"/>
                     </a:solidFill>
@@ -10340,7 +10340,7 @@
               </a:ln>
               <a:extLst>
                 <a:ext uri="{91240B29-F687-4f45-9708-019B960494DF}">
-                  <a14:hiddenLine xmlns="" xmlns:a14="http://schemas.microsoft.com/office/drawing/2010/main" w="9525">
+                  <a14:hiddenLine xmlns:a14="http://schemas.microsoft.com/office/drawing/2010/main" xmlns="" w="9525">
                     <a:solidFill>
                       <a:srgbClr val="000000"/>
                     </a:solidFill>
@@ -10430,7 +10430,7 @@
               </a:ln>
               <a:extLst>
                 <a:ext uri="{91240B29-F687-4f45-9708-019B960494DF}">
-                  <a14:hiddenLine xmlns="" xmlns:a14="http://schemas.microsoft.com/office/drawing/2010/main" w="9525">
+                  <a14:hiddenLine xmlns:a14="http://schemas.microsoft.com/office/drawing/2010/main" xmlns="" w="9525">
                     <a:solidFill>
                       <a:srgbClr val="000000"/>
                     </a:solidFill>
@@ -10492,7 +10492,7 @@
               </a:ln>
               <a:extLst>
                 <a:ext uri="{91240B29-F687-4f45-9708-019B960494DF}">
-                  <a14:hiddenLine xmlns="" xmlns:a14="http://schemas.microsoft.com/office/drawing/2010/main" w="9525">
+                  <a14:hiddenLine xmlns:a14="http://schemas.microsoft.com/office/drawing/2010/main" xmlns="" w="9525">
                     <a:solidFill>
                       <a:srgbClr val="000000"/>
                     </a:solidFill>
@@ -10582,7 +10582,7 @@
               </a:ln>
               <a:extLst>
                 <a:ext uri="{91240B29-F687-4f45-9708-019B960494DF}">
-                  <a14:hiddenLine xmlns="" xmlns:a14="http://schemas.microsoft.com/office/drawing/2010/main" w="9525">
+                  <a14:hiddenLine xmlns:a14="http://schemas.microsoft.com/office/drawing/2010/main" xmlns="" w="9525">
                     <a:solidFill>
                       <a:srgbClr val="000000"/>
                     </a:solidFill>
@@ -10647,7 +10647,7 @@
               </a:ln>
               <a:extLst>
                 <a:ext uri="{91240B29-F687-4f45-9708-019B960494DF}">
-                  <a14:hiddenLine xmlns="" xmlns:a14="http://schemas.microsoft.com/office/drawing/2010/main" w="9525">
+                  <a14:hiddenLine xmlns:a14="http://schemas.microsoft.com/office/drawing/2010/main" xmlns="" w="9525">
                     <a:solidFill>
                       <a:srgbClr val="000000"/>
                     </a:solidFill>
@@ -10709,7 +10709,7 @@
               </a:ln>
               <a:extLst>
                 <a:ext uri="{91240B29-F687-4f45-9708-019B960494DF}">
-                  <a14:hiddenLine xmlns="" xmlns:a14="http://schemas.microsoft.com/office/drawing/2010/main" w="9525">
+                  <a14:hiddenLine xmlns:a14="http://schemas.microsoft.com/office/drawing/2010/main" xmlns="" w="9525">
                     <a:solidFill>
                       <a:srgbClr val="000000"/>
                     </a:solidFill>
@@ -10799,7 +10799,7 @@
               </a:ln>
               <a:extLst>
                 <a:ext uri="{91240B29-F687-4f45-9708-019B960494DF}">
-                  <a14:hiddenLine xmlns="" xmlns:a14="http://schemas.microsoft.com/office/drawing/2010/main" w="9525">
+                  <a14:hiddenLine xmlns:a14="http://schemas.microsoft.com/office/drawing/2010/main" xmlns="" w="9525">
                     <a:solidFill>
                       <a:srgbClr val="000000"/>
                     </a:solidFill>
@@ -10889,7 +10889,7 @@
               </a:ln>
               <a:extLst>
                 <a:ext uri="{91240B29-F687-4f45-9708-019B960494DF}">
-                  <a14:hiddenLine xmlns="" xmlns:a14="http://schemas.microsoft.com/office/drawing/2010/main" w="9525">
+                  <a14:hiddenLine xmlns:a14="http://schemas.microsoft.com/office/drawing/2010/main" xmlns="" w="9525">
                     <a:solidFill>
                       <a:srgbClr val="000000"/>
                     </a:solidFill>
@@ -10954,7 +10954,7 @@
               </a:ln>
               <a:extLst>
                 <a:ext uri="{91240B29-F687-4f45-9708-019B960494DF}">
-                  <a14:hiddenLine xmlns="" xmlns:a14="http://schemas.microsoft.com/office/drawing/2010/main" w="9525">
+                  <a14:hiddenLine xmlns:a14="http://schemas.microsoft.com/office/drawing/2010/main" xmlns="" w="9525">
                     <a:solidFill>
                       <a:srgbClr val="000000"/>
                     </a:solidFill>
@@ -11074,7 +11074,7 @@
               </a:ln>
               <a:extLst>
                 <a:ext uri="{91240B29-F687-4f45-9708-019B960494DF}">
-                  <a14:hiddenLine xmlns="" xmlns:a14="http://schemas.microsoft.com/office/drawing/2010/main" w="9525">
+                  <a14:hiddenLine xmlns:a14="http://schemas.microsoft.com/office/drawing/2010/main" xmlns="" w="9525">
                     <a:solidFill>
                       <a:srgbClr val="000000"/>
                     </a:solidFill>
@@ -11172,7 +11172,7 @@
               </a:ln>
               <a:extLst>
                 <a:ext uri="{91240B29-F687-4f45-9708-019B960494DF}">
-                  <a14:hiddenLine xmlns="" xmlns:a14="http://schemas.microsoft.com/office/drawing/2010/main" w="9525">
+                  <a14:hiddenLine xmlns:a14="http://schemas.microsoft.com/office/drawing/2010/main" xmlns="" w="9525">
                     <a:solidFill>
                       <a:srgbClr val="000000"/>
                     </a:solidFill>
@@ -11287,7 +11287,7 @@
               </a:ln>
               <a:extLst>
                 <a:ext uri="{91240B29-F687-4f45-9708-019B960494DF}">
-                  <a14:hiddenLine xmlns="" xmlns:a14="http://schemas.microsoft.com/office/drawing/2010/main" w="9525">
+                  <a14:hiddenLine xmlns:a14="http://schemas.microsoft.com/office/drawing/2010/main" xmlns="" w="9525">
                     <a:solidFill>
                       <a:srgbClr val="000000"/>
                     </a:solidFill>
@@ -11377,7 +11377,7 @@
               </a:ln>
               <a:extLst>
                 <a:ext uri="{91240B29-F687-4f45-9708-019B960494DF}">
-                  <a14:hiddenLine xmlns="" xmlns:a14="http://schemas.microsoft.com/office/drawing/2010/main" w="9525">
+                  <a14:hiddenLine xmlns:a14="http://schemas.microsoft.com/office/drawing/2010/main" xmlns="" w="9525">
                     <a:solidFill>
                       <a:srgbClr val="000000"/>
                     </a:solidFill>
@@ -11442,7 +11442,7 @@
               </a:ln>
               <a:extLst>
                 <a:ext uri="{91240B29-F687-4f45-9708-019B960494DF}">
-                  <a14:hiddenLine xmlns="" xmlns:a14="http://schemas.microsoft.com/office/drawing/2010/main" w="9525">
+                  <a14:hiddenLine xmlns:a14="http://schemas.microsoft.com/office/drawing/2010/main" xmlns="" w="9525">
                     <a:solidFill>
                       <a:srgbClr val="000000"/>
                     </a:solidFill>
@@ -11532,7 +11532,7 @@
               </a:ln>
               <a:extLst>
                 <a:ext uri="{91240B29-F687-4f45-9708-019B960494DF}">
-                  <a14:hiddenLine xmlns="" xmlns:a14="http://schemas.microsoft.com/office/drawing/2010/main" w="9525">
+                  <a14:hiddenLine xmlns:a14="http://schemas.microsoft.com/office/drawing/2010/main" xmlns="" w="9525">
                     <a:solidFill>
                       <a:srgbClr val="000000"/>
                     </a:solidFill>
@@ -11600,7 +11600,7 @@
               </a:ln>
               <a:extLst>
                 <a:ext uri="{91240B29-F687-4f45-9708-019B960494DF}">
-                  <a14:hiddenLine xmlns="" xmlns:a14="http://schemas.microsoft.com/office/drawing/2010/main" w="9525">
+                  <a14:hiddenLine xmlns:a14="http://schemas.microsoft.com/office/drawing/2010/main" xmlns="" w="9525">
                     <a:solidFill>
                       <a:srgbClr val="000000"/>
                     </a:solidFill>
@@ -11690,7 +11690,7 @@
               </a:ln>
               <a:extLst>
                 <a:ext uri="{91240B29-F687-4f45-9708-019B960494DF}">
-                  <a14:hiddenLine xmlns="" xmlns:a14="http://schemas.microsoft.com/office/drawing/2010/main" w="9525">
+                  <a14:hiddenLine xmlns:a14="http://schemas.microsoft.com/office/drawing/2010/main" xmlns="" w="9525">
                     <a:solidFill>
                       <a:srgbClr val="000000"/>
                     </a:solidFill>
@@ -11758,7 +11758,7 @@
               </a:ln>
               <a:extLst>
                 <a:ext uri="{91240B29-F687-4f45-9708-019B960494DF}">
-                  <a14:hiddenLine xmlns="" xmlns:a14="http://schemas.microsoft.com/office/drawing/2010/main" w="9525">
+                  <a14:hiddenLine xmlns:a14="http://schemas.microsoft.com/office/drawing/2010/main" xmlns="" w="9525">
                     <a:solidFill>
                       <a:srgbClr val="000000"/>
                     </a:solidFill>
@@ -11848,7 +11848,7 @@
               </a:ln>
               <a:extLst>
                 <a:ext uri="{91240B29-F687-4f45-9708-019B960494DF}">
-                  <a14:hiddenLine xmlns="" xmlns:a14="http://schemas.microsoft.com/office/drawing/2010/main" w="9525">
+                  <a14:hiddenLine xmlns:a14="http://schemas.microsoft.com/office/drawing/2010/main" xmlns="" w="9525">
                     <a:solidFill>
                       <a:srgbClr val="000000"/>
                     </a:solidFill>
@@ -11882,7 +11882,7 @@
               </a:ln>
               <a:extLst>
                 <a:ext uri="{91240B29-F687-4f45-9708-019B960494DF}">
-                  <a14:hiddenLine xmlns="" xmlns:a14="http://schemas.microsoft.com/office/drawing/2010/main" w="9525">
+                  <a14:hiddenLine xmlns:a14="http://schemas.microsoft.com/office/drawing/2010/main" xmlns="" w="9525">
                     <a:solidFill>
                       <a:srgbClr val="000000"/>
                     </a:solidFill>
@@ -13259,11 +13259,7 @@
           <a:p>
             <a:r>
               <a:rPr lang="en-US" dirty="0" err="1" smtClean="0"/>
-              <a:t>Battle</a:t>
-            </a:r>
-            <a:r>
-              <a:rPr lang="en-US" dirty="0" err="1" smtClean="0"/>
-              <a:t>.php</a:t>
+              <a:t>Battle.php</a:t>
             </a:r>
             <a:endParaRPr lang="en-US" dirty="0"/>
           </a:p>
@@ -13751,10 +13747,33 @@
               <a:rPr lang="en-US" dirty="0" smtClean="0"/>
               <a:t>}}</a:t>
             </a:r>
-            <a:endParaRPr lang="en-US" dirty="0" smtClean="0"/>
           </a:p>
         </p:txBody>
       </p:sp>
+      <p:pic>
+        <p:nvPicPr>
+          <p:cNvPr id="3" name="Picture 2"/>
+          <p:cNvPicPr>
+            <a:picLocks noChangeAspect="1"/>
+          </p:cNvPicPr>
+          <p:nvPr/>
+        </p:nvPicPr>
+        <p:blipFill>
+          <a:blip r:embed="rId2"/>
+          <a:stretch>
+            <a:fillRect/>
+          </a:stretch>
+        </p:blipFill>
+        <p:spPr>
+          <a:xfrm>
+            <a:off x="1420515" y="2249486"/>
+            <a:ext cx="1314554" cy="4055813"/>
+          </a:xfrm>
+          <a:prstGeom prst="rect">
+            <a:avLst/>
+          </a:prstGeom>
+        </p:spPr>
+      </p:pic>
     </p:spTree>
     <p:extLst>
       <p:ext uri="{BB962C8B-B14F-4D97-AF65-F5344CB8AC3E}">
@@ -14284,11 +14303,7 @@
             </a:pPr>
             <a:r>
               <a:rPr lang="en-US" dirty="0" smtClean="0"/>
-              <a:t>}	</a:t>
-            </a:r>
-            <a:r>
-              <a:rPr lang="en-US" dirty="0" smtClean="0"/>
-              <a:t>}</a:t>
+              <a:t>}	}</a:t>
             </a:r>
           </a:p>
         </p:txBody>
@@ -14813,7 +14828,6 @@
               <a:rPr lang="en-US" dirty="0" smtClean="0"/>
               <a:t>}}</a:t>
             </a:r>
-            <a:endParaRPr lang="en-US" dirty="0" smtClean="0"/>
           </a:p>
         </p:txBody>
       </p:sp>
@@ -14918,13 +14932,13 @@
         </p:nvSpPr>
         <p:spPr>
           <a:xfrm>
-            <a:off x="6426558" y="609599"/>
-            <a:ext cx="5272880" cy="5842715"/>
+            <a:off x="4713668" y="609599"/>
+            <a:ext cx="6985770" cy="5842715"/>
           </a:xfrm>
         </p:spPr>
         <p:txBody>
           <a:bodyPr>
-            <a:normAutofit/>
+            <a:normAutofit fontScale="77500" lnSpcReduction="20000"/>
           </a:bodyPr>
           <a:lstStyle/>
           <a:p>
@@ -14933,6 +14947,342 @@
                 <a:spcPts val="0"/>
               </a:spcBef>
             </a:pPr>
+            <a:r>
+              <a:rPr lang="en-US" dirty="0"/>
+              <a:t>.arena {</a:t>
+            </a:r>
+          </a:p>
+          <a:p>
+            <a:pPr>
+              <a:spcBef>
+                <a:spcPts val="0"/>
+              </a:spcBef>
+            </a:pPr>
+            <a:r>
+              <a:rPr lang="en-US" dirty="0"/>
+              <a:t>	width: 100%;</a:t>
+            </a:r>
+          </a:p>
+          <a:p>
+            <a:pPr>
+              <a:spcBef>
+                <a:spcPts val="0"/>
+              </a:spcBef>
+            </a:pPr>
+            <a:r>
+              <a:rPr lang="en-US" dirty="0"/>
+              <a:t>	height: 80%;</a:t>
+            </a:r>
+          </a:p>
+          <a:p>
+            <a:pPr>
+              <a:spcBef>
+                <a:spcPts val="0"/>
+              </a:spcBef>
+            </a:pPr>
+            <a:r>
+              <a:rPr lang="en-US" dirty="0"/>
+              <a:t>	display: inline-block;</a:t>
+            </a:r>
+          </a:p>
+          <a:p>
+            <a:pPr>
+              <a:spcBef>
+                <a:spcPts val="0"/>
+              </a:spcBef>
+            </a:pPr>
+            <a:r>
+              <a:rPr lang="en-US" dirty="0"/>
+              <a:t>	overflow: none;</a:t>
+            </a:r>
+          </a:p>
+          <a:p>
+            <a:pPr>
+              <a:spcBef>
+                <a:spcPts val="0"/>
+              </a:spcBef>
+            </a:pPr>
+            <a:r>
+              <a:rPr lang="en-US" dirty="0" smtClean="0"/>
+              <a:t>}</a:t>
+            </a:r>
+            <a:endParaRPr lang="en-US" dirty="0"/>
+          </a:p>
+          <a:p>
+            <a:pPr>
+              <a:spcBef>
+                <a:spcPts val="0"/>
+              </a:spcBef>
+            </a:pPr>
+            <a:r>
+              <a:rPr lang="en-US" dirty="0"/>
+              <a:t>.player {</a:t>
+            </a:r>
+          </a:p>
+          <a:p>
+            <a:pPr>
+              <a:spcBef>
+                <a:spcPts val="0"/>
+              </a:spcBef>
+            </a:pPr>
+            <a:r>
+              <a:rPr lang="en-US" dirty="0"/>
+              <a:t>	height: 100%;</a:t>
+            </a:r>
+          </a:p>
+          <a:p>
+            <a:pPr>
+              <a:spcBef>
+                <a:spcPts val="0"/>
+              </a:spcBef>
+            </a:pPr>
+            <a:r>
+              <a:rPr lang="en-US" dirty="0"/>
+              <a:t>	width: 35%;</a:t>
+            </a:r>
+          </a:p>
+          <a:p>
+            <a:pPr>
+              <a:spcBef>
+                <a:spcPts val="0"/>
+              </a:spcBef>
+            </a:pPr>
+            <a:r>
+              <a:rPr lang="en-US" dirty="0"/>
+              <a:t>	float: left;</a:t>
+            </a:r>
+          </a:p>
+          <a:p>
+            <a:pPr>
+              <a:spcBef>
+                <a:spcPts val="0"/>
+              </a:spcBef>
+            </a:pPr>
+            <a:r>
+              <a:rPr lang="en-US" dirty="0"/>
+              <a:t>	margin-left: 50px;</a:t>
+            </a:r>
+          </a:p>
+          <a:p>
+            <a:pPr>
+              <a:spcBef>
+                <a:spcPts val="0"/>
+              </a:spcBef>
+            </a:pPr>
+            <a:r>
+              <a:rPr lang="en-US" dirty="0"/>
+              <a:t>	margin-top: 19%;</a:t>
+            </a:r>
+          </a:p>
+          <a:p>
+            <a:pPr>
+              <a:spcBef>
+                <a:spcPts val="0"/>
+              </a:spcBef>
+            </a:pPr>
+            <a:r>
+              <a:rPr lang="en-US" dirty="0"/>
+              <a:t>	margin-bottom: -10%;</a:t>
+            </a:r>
+          </a:p>
+          <a:p>
+            <a:pPr>
+              <a:spcBef>
+                <a:spcPts val="0"/>
+              </a:spcBef>
+            </a:pPr>
+            <a:r>
+              <a:rPr lang="en-US" dirty="0"/>
+              <a:t>	padding: 0px;</a:t>
+            </a:r>
+          </a:p>
+          <a:p>
+            <a:pPr>
+              <a:spcBef>
+                <a:spcPts val="0"/>
+              </a:spcBef>
+            </a:pPr>
+            <a:r>
+              <a:rPr lang="en-US" dirty="0"/>
+              <a:t>	overflow: none;</a:t>
+            </a:r>
+          </a:p>
+          <a:p>
+            <a:pPr>
+              <a:spcBef>
+                <a:spcPts val="0"/>
+              </a:spcBef>
+            </a:pPr>
+            <a:r>
+              <a:rPr lang="en-US" dirty="0" smtClean="0"/>
+              <a:t>}</a:t>
+            </a:r>
+            <a:endParaRPr lang="en-US" dirty="0"/>
+          </a:p>
+          <a:p>
+            <a:pPr>
+              <a:spcBef>
+                <a:spcPts val="0"/>
+              </a:spcBef>
+            </a:pPr>
+            <a:r>
+              <a:rPr lang="en-US" dirty="0"/>
+              <a:t>.player </a:t>
+            </a:r>
+            <a:r>
+              <a:rPr lang="en-US" dirty="0" err="1"/>
+              <a:t>img</a:t>
+            </a:r>
+            <a:r>
+              <a:rPr lang="en-US" dirty="0"/>
+              <a:t> {</a:t>
+            </a:r>
+          </a:p>
+          <a:p>
+            <a:pPr>
+              <a:spcBef>
+                <a:spcPts val="0"/>
+              </a:spcBef>
+            </a:pPr>
+            <a:r>
+              <a:rPr lang="en-US" dirty="0"/>
+              <a:t>	width: 200px;</a:t>
+            </a:r>
+          </a:p>
+          <a:p>
+            <a:pPr>
+              <a:spcBef>
+                <a:spcPts val="0"/>
+              </a:spcBef>
+            </a:pPr>
+            <a:r>
+              <a:rPr lang="en-US" dirty="0"/>
+              <a:t>	margin-top: 20%;</a:t>
+            </a:r>
+          </a:p>
+          <a:p>
+            <a:pPr>
+              <a:spcBef>
+                <a:spcPts val="0"/>
+              </a:spcBef>
+            </a:pPr>
+            <a:r>
+              <a:rPr lang="en-US" dirty="0"/>
+              <a:t>	margin-left: 62%;</a:t>
+            </a:r>
+          </a:p>
+          <a:p>
+            <a:pPr>
+              <a:spcBef>
+                <a:spcPts val="0"/>
+              </a:spcBef>
+            </a:pPr>
+            <a:r>
+              <a:rPr lang="en-US" dirty="0" smtClean="0"/>
+              <a:t>}</a:t>
+            </a:r>
+            <a:endParaRPr lang="en-US" dirty="0"/>
+          </a:p>
+          <a:p>
+            <a:pPr>
+              <a:spcBef>
+                <a:spcPts val="0"/>
+              </a:spcBef>
+            </a:pPr>
+            <a:r>
+              <a:rPr lang="en-US" dirty="0"/>
+              <a:t>.boss {</a:t>
+            </a:r>
+          </a:p>
+          <a:p>
+            <a:pPr>
+              <a:spcBef>
+                <a:spcPts val="0"/>
+              </a:spcBef>
+            </a:pPr>
+            <a:r>
+              <a:rPr lang="en-US" dirty="0"/>
+              <a:t>	height: 100%;</a:t>
+            </a:r>
+          </a:p>
+          <a:p>
+            <a:pPr>
+              <a:spcBef>
+                <a:spcPts val="0"/>
+              </a:spcBef>
+            </a:pPr>
+            <a:r>
+              <a:rPr lang="en-US" dirty="0"/>
+              <a:t>	width: 60%;</a:t>
+            </a:r>
+          </a:p>
+          <a:p>
+            <a:pPr>
+              <a:spcBef>
+                <a:spcPts val="0"/>
+              </a:spcBef>
+            </a:pPr>
+            <a:r>
+              <a:rPr lang="en-US" dirty="0"/>
+              <a:t>	float: right;</a:t>
+            </a:r>
+          </a:p>
+          <a:p>
+            <a:pPr>
+              <a:spcBef>
+                <a:spcPts val="0"/>
+              </a:spcBef>
+            </a:pPr>
+            <a:r>
+              <a:rPr lang="en-US" dirty="0" smtClean="0"/>
+              <a:t>}</a:t>
+            </a:r>
+            <a:endParaRPr lang="en-US" dirty="0"/>
+          </a:p>
+          <a:p>
+            <a:pPr>
+              <a:spcBef>
+                <a:spcPts val="0"/>
+              </a:spcBef>
+            </a:pPr>
+            <a:r>
+              <a:rPr lang="en-US" dirty="0"/>
+              <a:t>.boss </a:t>
+            </a:r>
+            <a:r>
+              <a:rPr lang="en-US" dirty="0" err="1"/>
+              <a:t>img</a:t>
+            </a:r>
+            <a:r>
+              <a:rPr lang="en-US" dirty="0"/>
+              <a:t> {</a:t>
+            </a:r>
+          </a:p>
+          <a:p>
+            <a:pPr>
+              <a:spcBef>
+                <a:spcPts val="0"/>
+              </a:spcBef>
+            </a:pPr>
+            <a:r>
+              <a:rPr lang="en-US" dirty="0"/>
+              <a:t>	width: 100</a:t>
+            </a:r>
+            <a:r>
+              <a:rPr lang="en-US" dirty="0" smtClean="0"/>
+              <a:t>%;</a:t>
+            </a:r>
+          </a:p>
+          <a:p>
+            <a:pPr>
+              <a:spcBef>
+                <a:spcPts val="0"/>
+              </a:spcBef>
+            </a:pPr>
+            <a:r>
+              <a:rPr lang="en-US" dirty="0"/>
+              <a:t>}</a:t>
+            </a:r>
             <a:endParaRPr lang="en-US" dirty="0" smtClean="0"/>
           </a:p>
         </p:txBody>
